--- a/BackgroundInfo/CollCombBiol.pptx
+++ b/BackgroundInfo/CollCombBiol.pptx
@@ -110,6 +110,11 @@
       </a:defRPr>
     </a:lvl9pPr>
   </p:defaultTextStyle>
+  <p:extLst>
+    <p:ext uri="{EFAFB233-063F-42B5-8137-9DF3F51BA10A}">
+      <p15:sldGuideLst xmlns:p15="http://schemas.microsoft.com/office/powerpoint/2012/main"/>
+    </p:ext>
+  </p:extLst>
 </p:presentation>
 </file>
 
@@ -298,7 +303,7 @@
           <a:p>
             <a:fld id="{1644BD7C-F7E4-4602-B4BA-7731E171C526}" type="datetimeFigureOut">
               <a:rPr lang="en-AU" smtClean="0"/>
-              <a:t>13/09/2016</a:t>
+              <a:t>20/09/2016</a:t>
             </a:fld>
             <a:endParaRPr lang="en-AU"/>
           </a:p>
@@ -596,7 +601,7 @@
           <a:p>
             <a:fld id="{1644BD7C-F7E4-4602-B4BA-7731E171C526}" type="datetimeFigureOut">
               <a:rPr lang="en-AU" smtClean="0"/>
-              <a:t>13/09/2016</a:t>
+              <a:t>20/09/2016</a:t>
             </a:fld>
             <a:endParaRPr lang="en-AU"/>
           </a:p>
@@ -788,7 +793,7 @@
           <a:p>
             <a:fld id="{1644BD7C-F7E4-4602-B4BA-7731E171C526}" type="datetimeFigureOut">
               <a:rPr lang="en-AU" smtClean="0"/>
-              <a:t>13/09/2016</a:t>
+              <a:t>20/09/2016</a:t>
             </a:fld>
             <a:endParaRPr lang="en-AU"/>
           </a:p>
@@ -1049,7 +1054,7 @@
           <a:p>
             <a:fld id="{1644BD7C-F7E4-4602-B4BA-7731E171C526}" type="datetimeFigureOut">
               <a:rPr lang="en-AU" smtClean="0"/>
-              <a:t>13/09/2016</a:t>
+              <a:t>20/09/2016</a:t>
             </a:fld>
             <a:endParaRPr lang="en-AU"/>
           </a:p>
@@ -1473,7 +1478,7 @@
           <a:p>
             <a:fld id="{1644BD7C-F7E4-4602-B4BA-7731E171C526}" type="datetimeFigureOut">
               <a:rPr lang="en-AU" smtClean="0"/>
-              <a:t>13/09/2016</a:t>
+              <a:t>20/09/2016</a:t>
             </a:fld>
             <a:endParaRPr lang="en-AU"/>
           </a:p>
@@ -2010,7 +2015,7 @@
           <a:p>
             <a:fld id="{1644BD7C-F7E4-4602-B4BA-7731E171C526}" type="datetimeFigureOut">
               <a:rPr lang="en-AU" smtClean="0"/>
-              <a:t>13/09/2016</a:t>
+              <a:t>20/09/2016</a:t>
             </a:fld>
             <a:endParaRPr lang="en-AU"/>
           </a:p>
@@ -2874,7 +2879,7 @@
           <a:p>
             <a:fld id="{1644BD7C-F7E4-4602-B4BA-7731E171C526}" type="datetimeFigureOut">
               <a:rPr lang="en-AU" smtClean="0"/>
-              <a:t>13/09/2016</a:t>
+              <a:t>20/09/2016</a:t>
             </a:fld>
             <a:endParaRPr lang="en-AU"/>
           </a:p>
@@ -3044,7 +3049,7 @@
           <a:p>
             <a:fld id="{1644BD7C-F7E4-4602-B4BA-7731E171C526}" type="datetimeFigureOut">
               <a:rPr lang="en-AU" smtClean="0"/>
-              <a:t>13/09/2016</a:t>
+              <a:t>20/09/2016</a:t>
             </a:fld>
             <a:endParaRPr lang="en-AU"/>
           </a:p>
@@ -3228,7 +3233,7 @@
           <a:p>
             <a:fld id="{1644BD7C-F7E4-4602-B4BA-7731E171C526}" type="datetimeFigureOut">
               <a:rPr lang="en-AU" smtClean="0"/>
-              <a:t>13/09/2016</a:t>
+              <a:t>20/09/2016</a:t>
             </a:fld>
             <a:endParaRPr lang="en-AU"/>
           </a:p>
@@ -3398,7 +3403,7 @@
           <a:p>
             <a:fld id="{1644BD7C-F7E4-4602-B4BA-7731E171C526}" type="datetimeFigureOut">
               <a:rPr lang="en-AU" smtClean="0"/>
-              <a:t>13/09/2016</a:t>
+              <a:t>20/09/2016</a:t>
             </a:fld>
             <a:endParaRPr lang="en-AU"/>
           </a:p>
@@ -3642,7 +3647,7 @@
           <a:p>
             <a:fld id="{1644BD7C-F7E4-4602-B4BA-7731E171C526}" type="datetimeFigureOut">
               <a:rPr lang="en-AU" smtClean="0"/>
-              <a:t>13/09/2016</a:t>
+              <a:t>20/09/2016</a:t>
             </a:fld>
             <a:endParaRPr lang="en-AU"/>
           </a:p>
@@ -3878,7 +3883,7 @@
           <a:p>
             <a:fld id="{1644BD7C-F7E4-4602-B4BA-7731E171C526}" type="datetimeFigureOut">
               <a:rPr lang="en-AU" smtClean="0"/>
-              <a:t>13/09/2016</a:t>
+              <a:t>20/09/2016</a:t>
             </a:fld>
             <a:endParaRPr lang="en-AU"/>
           </a:p>
@@ -4344,7 +4349,7 @@
           <a:p>
             <a:fld id="{1644BD7C-F7E4-4602-B4BA-7731E171C526}" type="datetimeFigureOut">
               <a:rPr lang="en-AU" smtClean="0"/>
-              <a:t>13/09/2016</a:t>
+              <a:t>20/09/2016</a:t>
             </a:fld>
             <a:endParaRPr lang="en-AU"/>
           </a:p>
@@ -4462,7 +4467,7 @@
           <a:p>
             <a:fld id="{1644BD7C-F7E4-4602-B4BA-7731E171C526}" type="datetimeFigureOut">
               <a:rPr lang="en-AU" smtClean="0"/>
-              <a:t>13/09/2016</a:t>
+              <a:t>20/09/2016</a:t>
             </a:fld>
             <a:endParaRPr lang="en-AU"/>
           </a:p>
@@ -4557,7 +4562,7 @@
           <a:p>
             <a:fld id="{1644BD7C-F7E4-4602-B4BA-7731E171C526}" type="datetimeFigureOut">
               <a:rPr lang="en-AU" smtClean="0"/>
-              <a:t>13/09/2016</a:t>
+              <a:t>20/09/2016</a:t>
             </a:fld>
             <a:endParaRPr lang="en-AU"/>
           </a:p>
@@ -4812,7 +4817,7 @@
           <a:p>
             <a:fld id="{1644BD7C-F7E4-4602-B4BA-7731E171C526}" type="datetimeFigureOut">
               <a:rPr lang="en-AU" smtClean="0"/>
-              <a:t>13/09/2016</a:t>
+              <a:t>20/09/2016</a:t>
             </a:fld>
             <a:endParaRPr lang="en-AU"/>
           </a:p>
@@ -5112,7 +5117,7 @@
           <a:p>
             <a:fld id="{1644BD7C-F7E4-4602-B4BA-7731E171C526}" type="datetimeFigureOut">
               <a:rPr lang="en-AU" smtClean="0"/>
-              <a:t>13/09/2016</a:t>
+              <a:t>20/09/2016</a:t>
             </a:fld>
             <a:endParaRPr lang="en-AU"/>
           </a:p>
@@ -5346,7 +5351,7 @@
           <a:p>
             <a:fld id="{1644BD7C-F7E4-4602-B4BA-7731E171C526}" type="datetimeFigureOut">
               <a:rPr lang="en-AU" smtClean="0"/>
-              <a:t>13/09/2016</a:t>
+              <a:t>20/09/2016</a:t>
             </a:fld>
             <a:endParaRPr lang="en-AU"/>
           </a:p>

--- a/BackgroundInfo/CollCombBiol.pptx
+++ b/BackgroundInfo/CollCombBiol.pptx
@@ -6037,12 +6037,14 @@
         </p:nvSpPr>
         <p:spPr/>
         <p:txBody>
-          <a:bodyPr/>
+          <a:bodyPr>
+            <a:normAutofit fontScale="90000"/>
+          </a:bodyPr>
           <a:lstStyle/>
           <a:p>
             <a:r>
               <a:rPr lang="en-AU" dirty="0" smtClean="0"/>
-              <a:t>Selectively Exported MicroRNA </a:t>
+              <a:t>Control of extracellular vesicle microRNA export in prostate cancer. </a:t>
             </a:r>
             <a:endParaRPr lang="en-AU" dirty="0"/>
           </a:p>
@@ -6112,6 +6114,7 @@
           <a:bodyPr/>
           <a:lstStyle/>
           <a:p>
+            <a:pPr algn="l"/>
             <a:r>
               <a:rPr lang="en-AU" dirty="0" smtClean="0"/>
               <a:t>Prostate Cancer</a:t>
@@ -6135,6 +6138,40 @@
           <a:bodyPr/>
           <a:lstStyle/>
           <a:p>
+            <a:r>
+              <a:rPr lang="en-AU" dirty="0"/>
+              <a:t>Highest diagnosed cancer in men worldwide</a:t>
+            </a:r>
+          </a:p>
+          <a:p>
+            <a:r>
+              <a:rPr lang="en-AU" dirty="0"/>
+              <a:t>Bone metastasis leads to poor outcome. </a:t>
+            </a:r>
+          </a:p>
+          <a:p>
+            <a:r>
+              <a:rPr lang="en-AU" dirty="0"/>
+              <a:t>Metastasis reduced 5 year survival to 29.3%</a:t>
+            </a:r>
+          </a:p>
+          <a:p>
+            <a:r>
+              <a:rPr lang="en-AU" dirty="0">
+                <a:hlinkClick r:id="rId2"/>
+              </a:rPr>
+              <a:t>http://</a:t>
+            </a:r>
+            <a:r>
+              <a:rPr lang="en-AU" dirty="0" smtClean="0">
+                <a:hlinkClick r:id="rId2"/>
+              </a:rPr>
+              <a:t>www.aboutcancer.com/prostate_cure_rates.htm</a:t>
+            </a:r>
+            <a:r>
+              <a:rPr lang="en-AU" dirty="0" smtClean="0"/>
+              <a:t> for figure</a:t>
+            </a:r>
             <a:endParaRPr lang="en-AU" dirty="0"/>
           </a:p>
         </p:txBody>
@@ -6215,7 +6252,34 @@
           <a:bodyPr/>
           <a:lstStyle/>
           <a:p>
-            <a:endParaRPr lang="en-AU"/>
+            <a:r>
+              <a:rPr lang="en-AU" dirty="0" smtClean="0"/>
+              <a:t>Caveolin-1 biomarker for cancer progression.</a:t>
+            </a:r>
+          </a:p>
+          <a:p>
+            <a:r>
+              <a:rPr lang="en-AU" dirty="0" smtClean="0"/>
+              <a:t>Overexpression linked to </a:t>
+            </a:r>
+            <a:r>
+              <a:rPr lang="en-AU" dirty="0" err="1" smtClean="0"/>
+              <a:t>PCa</a:t>
+            </a:r>
+            <a:r>
+              <a:rPr lang="en-AU" dirty="0" smtClean="0"/>
+              <a:t> metastasis.</a:t>
+            </a:r>
+            <a:endParaRPr lang="en-AU" dirty="0"/>
+          </a:p>
+          <a:p>
+            <a:r>
+              <a:rPr lang="en-AU" dirty="0" smtClean="0"/>
+              <a:t>Co-expression with cavin-1 in healthy cells. </a:t>
+            </a:r>
+          </a:p>
+          <a:p>
+            <a:endParaRPr lang="en-AU" dirty="0" smtClean="0"/>
           </a:p>
         </p:txBody>
       </p:sp>
@@ -6287,7 +6351,33 @@
           <a:bodyPr/>
           <a:lstStyle/>
           <a:p>
-            <a:endParaRPr lang="en-AU"/>
+            <a:r>
+              <a:rPr lang="en-AU" dirty="0" smtClean="0"/>
+              <a:t>Secreted vesicles containing cytoplasmic or sorted material. </a:t>
+            </a:r>
+          </a:p>
+          <a:p>
+            <a:r>
+              <a:rPr lang="en-AU" dirty="0" smtClean="0"/>
+              <a:t>Transfe</a:t>
+            </a:r>
+            <a:r>
+              <a:rPr lang="en-AU" dirty="0" smtClean="0"/>
+              <a:t>r to other cells induces modifications</a:t>
+            </a:r>
+          </a:p>
+          <a:p>
+            <a:r>
+              <a:rPr lang="en-AU" dirty="0" smtClean="0"/>
+              <a:t>Cancer derived EVs have roles in tumour microenvironment modification and metastasis.  </a:t>
+            </a:r>
+          </a:p>
+          <a:p>
+            <a:r>
+              <a:rPr lang="en-AU" dirty="0" smtClean="0"/>
+              <a:t>Protein content of EVs commonly researched</a:t>
+            </a:r>
+            <a:endParaRPr lang="en-AU" dirty="0"/>
           </a:p>
         </p:txBody>
       </p:sp>
@@ -6359,7 +6449,7 @@
           <a:bodyPr/>
           <a:lstStyle/>
           <a:p>
-            <a:endParaRPr lang="en-AU"/>
+            <a:endParaRPr lang="en-AU" dirty="0"/>
           </a:p>
         </p:txBody>
       </p:sp>

--- a/BackgroundInfo/CollCombBiol.pptx
+++ b/BackgroundInfo/CollCombBiol.pptx
@@ -12,6 +12,12 @@
     <p:sldId id="260" r:id="rId6"/>
     <p:sldId id="261" r:id="rId7"/>
     <p:sldId id="262" r:id="rId8"/>
+    <p:sldId id="263" r:id="rId9"/>
+    <p:sldId id="264" r:id="rId10"/>
+    <p:sldId id="265" r:id="rId11"/>
+    <p:sldId id="266" r:id="rId12"/>
+    <p:sldId id="267" r:id="rId13"/>
+    <p:sldId id="268" r:id="rId14"/>
   </p:sldIdLst>
   <p:sldSz cx="12192000" cy="6858000"/>
   <p:notesSz cx="6858000" cy="9144000"/>
@@ -303,7 +309,7 @@
           <a:p>
             <a:fld id="{1644BD7C-F7E4-4602-B4BA-7731E171C526}" type="datetimeFigureOut">
               <a:rPr lang="en-AU" smtClean="0"/>
-              <a:t>20/09/2016</a:t>
+              <a:t>21/09/2016</a:t>
             </a:fld>
             <a:endParaRPr lang="en-AU"/>
           </a:p>
@@ -601,7 +607,7 @@
           <a:p>
             <a:fld id="{1644BD7C-F7E4-4602-B4BA-7731E171C526}" type="datetimeFigureOut">
               <a:rPr lang="en-AU" smtClean="0"/>
-              <a:t>20/09/2016</a:t>
+              <a:t>21/09/2016</a:t>
             </a:fld>
             <a:endParaRPr lang="en-AU"/>
           </a:p>
@@ -793,7 +799,7 @@
           <a:p>
             <a:fld id="{1644BD7C-F7E4-4602-B4BA-7731E171C526}" type="datetimeFigureOut">
               <a:rPr lang="en-AU" smtClean="0"/>
-              <a:t>20/09/2016</a:t>
+              <a:t>21/09/2016</a:t>
             </a:fld>
             <a:endParaRPr lang="en-AU"/>
           </a:p>
@@ -1054,7 +1060,7 @@
           <a:p>
             <a:fld id="{1644BD7C-F7E4-4602-B4BA-7731E171C526}" type="datetimeFigureOut">
               <a:rPr lang="en-AU" smtClean="0"/>
-              <a:t>20/09/2016</a:t>
+              <a:t>21/09/2016</a:t>
             </a:fld>
             <a:endParaRPr lang="en-AU"/>
           </a:p>
@@ -1478,7 +1484,7 @@
           <a:p>
             <a:fld id="{1644BD7C-F7E4-4602-B4BA-7731E171C526}" type="datetimeFigureOut">
               <a:rPr lang="en-AU" smtClean="0"/>
-              <a:t>20/09/2016</a:t>
+              <a:t>21/09/2016</a:t>
             </a:fld>
             <a:endParaRPr lang="en-AU"/>
           </a:p>
@@ -2015,7 +2021,7 @@
           <a:p>
             <a:fld id="{1644BD7C-F7E4-4602-B4BA-7731E171C526}" type="datetimeFigureOut">
               <a:rPr lang="en-AU" smtClean="0"/>
-              <a:t>20/09/2016</a:t>
+              <a:t>21/09/2016</a:t>
             </a:fld>
             <a:endParaRPr lang="en-AU"/>
           </a:p>
@@ -2879,7 +2885,7 @@
           <a:p>
             <a:fld id="{1644BD7C-F7E4-4602-B4BA-7731E171C526}" type="datetimeFigureOut">
               <a:rPr lang="en-AU" smtClean="0"/>
-              <a:t>20/09/2016</a:t>
+              <a:t>21/09/2016</a:t>
             </a:fld>
             <a:endParaRPr lang="en-AU"/>
           </a:p>
@@ -3049,7 +3055,7 @@
           <a:p>
             <a:fld id="{1644BD7C-F7E4-4602-B4BA-7731E171C526}" type="datetimeFigureOut">
               <a:rPr lang="en-AU" smtClean="0"/>
-              <a:t>20/09/2016</a:t>
+              <a:t>21/09/2016</a:t>
             </a:fld>
             <a:endParaRPr lang="en-AU"/>
           </a:p>
@@ -3233,7 +3239,7 @@
           <a:p>
             <a:fld id="{1644BD7C-F7E4-4602-B4BA-7731E171C526}" type="datetimeFigureOut">
               <a:rPr lang="en-AU" smtClean="0"/>
-              <a:t>20/09/2016</a:t>
+              <a:t>21/09/2016</a:t>
             </a:fld>
             <a:endParaRPr lang="en-AU"/>
           </a:p>
@@ -3403,7 +3409,7 @@
           <a:p>
             <a:fld id="{1644BD7C-F7E4-4602-B4BA-7731E171C526}" type="datetimeFigureOut">
               <a:rPr lang="en-AU" smtClean="0"/>
-              <a:t>20/09/2016</a:t>
+              <a:t>21/09/2016</a:t>
             </a:fld>
             <a:endParaRPr lang="en-AU"/>
           </a:p>
@@ -3647,7 +3653,7 @@
           <a:p>
             <a:fld id="{1644BD7C-F7E4-4602-B4BA-7731E171C526}" type="datetimeFigureOut">
               <a:rPr lang="en-AU" smtClean="0"/>
-              <a:t>20/09/2016</a:t>
+              <a:t>21/09/2016</a:t>
             </a:fld>
             <a:endParaRPr lang="en-AU"/>
           </a:p>
@@ -3883,7 +3889,7 @@
           <a:p>
             <a:fld id="{1644BD7C-F7E4-4602-B4BA-7731E171C526}" type="datetimeFigureOut">
               <a:rPr lang="en-AU" smtClean="0"/>
-              <a:t>20/09/2016</a:t>
+              <a:t>21/09/2016</a:t>
             </a:fld>
             <a:endParaRPr lang="en-AU"/>
           </a:p>
@@ -4349,7 +4355,7 @@
           <a:p>
             <a:fld id="{1644BD7C-F7E4-4602-B4BA-7731E171C526}" type="datetimeFigureOut">
               <a:rPr lang="en-AU" smtClean="0"/>
-              <a:t>20/09/2016</a:t>
+              <a:t>21/09/2016</a:t>
             </a:fld>
             <a:endParaRPr lang="en-AU"/>
           </a:p>
@@ -4467,7 +4473,7 @@
           <a:p>
             <a:fld id="{1644BD7C-F7E4-4602-B4BA-7731E171C526}" type="datetimeFigureOut">
               <a:rPr lang="en-AU" smtClean="0"/>
-              <a:t>20/09/2016</a:t>
+              <a:t>21/09/2016</a:t>
             </a:fld>
             <a:endParaRPr lang="en-AU"/>
           </a:p>
@@ -4562,7 +4568,7 @@
           <a:p>
             <a:fld id="{1644BD7C-F7E4-4602-B4BA-7731E171C526}" type="datetimeFigureOut">
               <a:rPr lang="en-AU" smtClean="0"/>
-              <a:t>20/09/2016</a:t>
+              <a:t>21/09/2016</a:t>
             </a:fld>
             <a:endParaRPr lang="en-AU"/>
           </a:p>
@@ -4817,7 +4823,7 @@
           <a:p>
             <a:fld id="{1644BD7C-F7E4-4602-B4BA-7731E171C526}" type="datetimeFigureOut">
               <a:rPr lang="en-AU" smtClean="0"/>
-              <a:t>20/09/2016</a:t>
+              <a:t>21/09/2016</a:t>
             </a:fld>
             <a:endParaRPr lang="en-AU"/>
           </a:p>
@@ -5117,7 +5123,7 @@
           <a:p>
             <a:fld id="{1644BD7C-F7E4-4602-B4BA-7731E171C526}" type="datetimeFigureOut">
               <a:rPr lang="en-AU" smtClean="0"/>
-              <a:t>20/09/2016</a:t>
+              <a:t>21/09/2016</a:t>
             </a:fld>
             <a:endParaRPr lang="en-AU"/>
           </a:p>
@@ -5351,7 +5357,7 @@
           <a:p>
             <a:fld id="{1644BD7C-F7E4-4602-B4BA-7731E171C526}" type="datetimeFigureOut">
               <a:rPr lang="en-AU" smtClean="0"/>
-              <a:t>20/09/2016</a:t>
+              <a:t>21/09/2016</a:t>
             </a:fld>
             <a:endParaRPr lang="en-AU"/>
           </a:p>
@@ -6082,6 +6088,320 @@
 </p:sld>
 </file>
 
+<file path=ppt/slides/slide10.xml><?xml version="1.0" encoding="utf-8"?>
+<p:sld xmlns:a="http://schemas.openxmlformats.org/drawingml/2006/main" xmlns:r="http://schemas.openxmlformats.org/officeDocument/2006/relationships" xmlns:p="http://schemas.openxmlformats.org/presentationml/2006/main">
+  <p:cSld>
+    <p:spTree>
+      <p:nvGrpSpPr>
+        <p:cNvPr id="1" name=""/>
+        <p:cNvGrpSpPr/>
+        <p:nvPr/>
+      </p:nvGrpSpPr>
+      <p:grpSpPr>
+        <a:xfrm>
+          <a:off x="0" y="0"/>
+          <a:ext cx="0" cy="0"/>
+          <a:chOff x="0" y="0"/>
+          <a:chExt cx="0" cy="0"/>
+        </a:xfrm>
+      </p:grpSpPr>
+      <p:sp>
+        <p:nvSpPr>
+          <p:cNvPr id="2" name="Title 1"/>
+          <p:cNvSpPr>
+            <a:spLocks noGrp="1"/>
+          </p:cNvSpPr>
+          <p:nvPr>
+            <p:ph type="title"/>
+          </p:nvPr>
+        </p:nvSpPr>
+        <p:spPr/>
+        <p:txBody>
+          <a:bodyPr/>
+          <a:lstStyle/>
+          <a:p>
+            <a:r>
+              <a:rPr lang="en-AU" dirty="0" err="1" smtClean="0"/>
+              <a:t>hnRNPK</a:t>
+            </a:r>
+            <a:r>
+              <a:rPr lang="en-AU" dirty="0" smtClean="0"/>
+              <a:t> changes subcellular localization</a:t>
+            </a:r>
+            <a:endParaRPr lang="en-AU" dirty="0"/>
+          </a:p>
+        </p:txBody>
+      </p:sp>
+      <p:sp>
+        <p:nvSpPr>
+          <p:cNvPr id="3" name="Content Placeholder 2"/>
+          <p:cNvSpPr>
+            <a:spLocks noGrp="1"/>
+          </p:cNvSpPr>
+          <p:nvPr>
+            <p:ph idx="1"/>
+          </p:nvPr>
+        </p:nvSpPr>
+        <p:spPr/>
+        <p:txBody>
+          <a:bodyPr/>
+          <a:lstStyle/>
+          <a:p>
+            <a:endParaRPr lang="en-AU"/>
+          </a:p>
+        </p:txBody>
+      </p:sp>
+    </p:spTree>
+    <p:extLst>
+      <p:ext uri="{BB962C8B-B14F-4D97-AF65-F5344CB8AC3E}">
+        <p14:creationId xmlns:p14="http://schemas.microsoft.com/office/powerpoint/2010/main" val="1621957372"/>
+      </p:ext>
+    </p:extLst>
+  </p:cSld>
+  <p:clrMapOvr>
+    <a:masterClrMapping/>
+  </p:clrMapOvr>
+</p:sld>
+</file>
+
+<file path=ppt/slides/slide11.xml><?xml version="1.0" encoding="utf-8"?>
+<p:sld xmlns:a="http://schemas.openxmlformats.org/drawingml/2006/main" xmlns:r="http://schemas.openxmlformats.org/officeDocument/2006/relationships" xmlns:p="http://schemas.openxmlformats.org/presentationml/2006/main">
+  <p:cSld>
+    <p:spTree>
+      <p:nvGrpSpPr>
+        <p:cNvPr id="1" name=""/>
+        <p:cNvGrpSpPr/>
+        <p:nvPr/>
+      </p:nvGrpSpPr>
+      <p:grpSpPr>
+        <a:xfrm>
+          <a:off x="0" y="0"/>
+          <a:ext cx="0" cy="0"/>
+          <a:chOff x="0" y="0"/>
+          <a:chExt cx="0" cy="0"/>
+        </a:xfrm>
+      </p:grpSpPr>
+      <p:sp>
+        <p:nvSpPr>
+          <p:cNvPr id="2" name="Title 1"/>
+          <p:cNvSpPr>
+            <a:spLocks noGrp="1"/>
+          </p:cNvSpPr>
+          <p:nvPr>
+            <p:ph type="title"/>
+          </p:nvPr>
+        </p:nvSpPr>
+        <p:spPr/>
+        <p:txBody>
+          <a:bodyPr/>
+          <a:lstStyle/>
+          <a:p>
+            <a:r>
+              <a:rPr lang="en-AU" dirty="0" err="1" smtClean="0"/>
+              <a:t>hnRNPK</a:t>
+            </a:r>
+            <a:r>
+              <a:rPr lang="en-AU" dirty="0" smtClean="0"/>
+              <a:t> co-localizes with miR-148a</a:t>
+            </a:r>
+            <a:endParaRPr lang="en-AU" dirty="0"/>
+          </a:p>
+        </p:txBody>
+      </p:sp>
+      <p:sp>
+        <p:nvSpPr>
+          <p:cNvPr id="3" name="Content Placeholder 2"/>
+          <p:cNvSpPr>
+            <a:spLocks noGrp="1"/>
+          </p:cNvSpPr>
+          <p:nvPr>
+            <p:ph idx="1"/>
+          </p:nvPr>
+        </p:nvSpPr>
+        <p:spPr/>
+        <p:txBody>
+          <a:bodyPr/>
+          <a:lstStyle/>
+          <a:p>
+            <a:endParaRPr lang="en-AU"/>
+          </a:p>
+        </p:txBody>
+      </p:sp>
+    </p:spTree>
+    <p:extLst>
+      <p:ext uri="{BB962C8B-B14F-4D97-AF65-F5344CB8AC3E}">
+        <p14:creationId xmlns:p14="http://schemas.microsoft.com/office/powerpoint/2010/main" val="1146595434"/>
+      </p:ext>
+    </p:extLst>
+  </p:cSld>
+  <p:clrMapOvr>
+    <a:masterClrMapping/>
+  </p:clrMapOvr>
+</p:sld>
+</file>
+
+<file path=ppt/slides/slide12.xml><?xml version="1.0" encoding="utf-8"?>
+<p:sld xmlns:a="http://schemas.openxmlformats.org/drawingml/2006/main" xmlns:r="http://schemas.openxmlformats.org/officeDocument/2006/relationships" xmlns:p="http://schemas.openxmlformats.org/presentationml/2006/main">
+  <p:cSld>
+    <p:spTree>
+      <p:nvGrpSpPr>
+        <p:cNvPr id="1" name=""/>
+        <p:cNvGrpSpPr/>
+        <p:nvPr/>
+      </p:nvGrpSpPr>
+      <p:grpSpPr>
+        <a:xfrm>
+          <a:off x="0" y="0"/>
+          <a:ext cx="0" cy="0"/>
+          <a:chOff x="0" y="0"/>
+          <a:chExt cx="0" cy="0"/>
+        </a:xfrm>
+      </p:grpSpPr>
+      <p:sp>
+        <p:nvSpPr>
+          <p:cNvPr id="2" name="Title 1"/>
+          <p:cNvSpPr>
+            <a:spLocks noGrp="1"/>
+          </p:cNvSpPr>
+          <p:nvPr>
+            <p:ph type="title"/>
+          </p:nvPr>
+        </p:nvSpPr>
+        <p:spPr/>
+        <p:txBody>
+          <a:bodyPr/>
+          <a:lstStyle/>
+          <a:p>
+            <a:r>
+              <a:rPr lang="en-AU" dirty="0" err="1" smtClean="0"/>
+              <a:t>hnRNPK</a:t>
+            </a:r>
+            <a:r>
+              <a:rPr lang="en-AU" dirty="0" smtClean="0"/>
+              <a:t> binds RNA</a:t>
+            </a:r>
+            <a:endParaRPr lang="en-AU" dirty="0"/>
+          </a:p>
+        </p:txBody>
+      </p:sp>
+      <p:sp>
+        <p:nvSpPr>
+          <p:cNvPr id="3" name="Content Placeholder 2"/>
+          <p:cNvSpPr>
+            <a:spLocks noGrp="1"/>
+          </p:cNvSpPr>
+          <p:nvPr>
+            <p:ph idx="1"/>
+          </p:nvPr>
+        </p:nvSpPr>
+        <p:spPr/>
+        <p:txBody>
+          <a:bodyPr/>
+          <a:lstStyle/>
+          <a:p>
+            <a:endParaRPr lang="en-AU"/>
+          </a:p>
+        </p:txBody>
+      </p:sp>
+    </p:spTree>
+    <p:extLst>
+      <p:ext uri="{BB962C8B-B14F-4D97-AF65-F5344CB8AC3E}">
+        <p14:creationId xmlns:p14="http://schemas.microsoft.com/office/powerpoint/2010/main" val="1995053147"/>
+      </p:ext>
+    </p:extLst>
+  </p:cSld>
+  <p:clrMapOvr>
+    <a:masterClrMapping/>
+  </p:clrMapOvr>
+</p:sld>
+</file>
+
+<file path=ppt/slides/slide13.xml><?xml version="1.0" encoding="utf-8"?>
+<p:sld xmlns:a="http://schemas.openxmlformats.org/drawingml/2006/main" xmlns:r="http://schemas.openxmlformats.org/officeDocument/2006/relationships" xmlns:p="http://schemas.openxmlformats.org/presentationml/2006/main">
+  <p:cSld>
+    <p:spTree>
+      <p:nvGrpSpPr>
+        <p:cNvPr id="1" name=""/>
+        <p:cNvGrpSpPr/>
+        <p:nvPr/>
+      </p:nvGrpSpPr>
+      <p:grpSpPr>
+        <a:xfrm>
+          <a:off x="0" y="0"/>
+          <a:ext cx="0" cy="0"/>
+          <a:chOff x="0" y="0"/>
+          <a:chExt cx="0" cy="0"/>
+        </a:xfrm>
+      </p:grpSpPr>
+      <p:sp>
+        <p:nvSpPr>
+          <p:cNvPr id="2" name="Title 1"/>
+          <p:cNvSpPr>
+            <a:spLocks noGrp="1"/>
+          </p:cNvSpPr>
+          <p:nvPr>
+            <p:ph type="title"/>
+          </p:nvPr>
+        </p:nvSpPr>
+        <p:spPr/>
+        <p:txBody>
+          <a:bodyPr/>
+          <a:lstStyle/>
+          <a:p>
+            <a:r>
+              <a:rPr lang="en-AU" dirty="0" smtClean="0"/>
+              <a:t>Future:</a:t>
+            </a:r>
+            <a:endParaRPr lang="en-AU" dirty="0"/>
+          </a:p>
+        </p:txBody>
+      </p:sp>
+      <p:sp>
+        <p:nvSpPr>
+          <p:cNvPr id="3" name="Content Placeholder 2"/>
+          <p:cNvSpPr>
+            <a:spLocks noGrp="1"/>
+          </p:cNvSpPr>
+          <p:nvPr>
+            <p:ph idx="1"/>
+          </p:nvPr>
+        </p:nvSpPr>
+        <p:spPr/>
+        <p:txBody>
+          <a:bodyPr/>
+          <a:lstStyle/>
+          <a:p>
+            <a:r>
+              <a:rPr lang="en-AU" dirty="0" smtClean="0"/>
+              <a:t>Look into RNAs binding to see if </a:t>
+            </a:r>
+            <a:r>
+              <a:rPr lang="en-AU" dirty="0" err="1" smtClean="0"/>
+              <a:t>micrornas</a:t>
+            </a:r>
+            <a:r>
+              <a:rPr lang="en-AU" dirty="0" smtClean="0"/>
+              <a:t> are binding</a:t>
+            </a:r>
+          </a:p>
+          <a:p>
+            <a:endParaRPr lang="en-AU" dirty="0"/>
+          </a:p>
+        </p:txBody>
+      </p:sp>
+    </p:spTree>
+    <p:extLst>
+      <p:ext uri="{BB962C8B-B14F-4D97-AF65-F5344CB8AC3E}">
+        <p14:creationId xmlns:p14="http://schemas.microsoft.com/office/powerpoint/2010/main" val="3237898764"/>
+      </p:ext>
+    </p:extLst>
+  </p:cSld>
+  <p:clrMapOvr>
+    <a:masterClrMapping/>
+  </p:clrMapOvr>
+</p:sld>
+</file>
+
 <file path=ppt/slides/slide2.xml><?xml version="1.0" encoding="utf-8"?>
 <p:sld xmlns:a="http://schemas.openxmlformats.org/drawingml/2006/main" xmlns:r="http://schemas.openxmlformats.org/officeDocument/2006/relationships" xmlns:p="http://schemas.openxmlformats.org/presentationml/2006/main">
   <p:cSld>
@@ -6359,11 +6679,7 @@
           <a:p>
             <a:r>
               <a:rPr lang="en-AU" dirty="0" smtClean="0"/>
-              <a:t>Transfe</a:t>
-            </a:r>
-            <a:r>
-              <a:rPr lang="en-AU" dirty="0" smtClean="0"/>
-              <a:t>r to other cells induces modifications</a:t>
+              <a:t>Transfer to other cells induces modifications</a:t>
             </a:r>
           </a:p>
           <a:p>
@@ -6449,6 +6765,34 @@
           <a:bodyPr/>
           <a:lstStyle/>
           <a:p>
+            <a:r>
+              <a:rPr lang="en-AU" dirty="0" smtClean="0"/>
+              <a:t>EVs have been proposed as vehicles for microRNAs.</a:t>
+            </a:r>
+          </a:p>
+          <a:p>
+            <a:r>
+              <a:rPr lang="en-AU" dirty="0" smtClean="0"/>
+              <a:t>MiR-148a exported from PC3 cell line. </a:t>
+            </a:r>
+          </a:p>
+          <a:p>
+            <a:r>
+              <a:rPr lang="en-AU" dirty="0" smtClean="0"/>
+              <a:t>No chang</a:t>
+            </a:r>
+            <a:r>
+              <a:rPr lang="en-AU" dirty="0" smtClean="0"/>
+              <a:t>e to cellular expression </a:t>
+            </a:r>
+          </a:p>
+          <a:p>
+            <a:r>
+              <a:rPr lang="en-AU" dirty="0" smtClean="0"/>
+              <a:t>Indicates some form of export mechanism. </a:t>
+            </a:r>
+          </a:p>
+          <a:p>
             <a:endParaRPr lang="en-AU" dirty="0"/>
           </a:p>
         </p:txBody>
@@ -6521,7 +6865,7 @@
           <a:bodyPr/>
           <a:lstStyle/>
           <a:p>
-            <a:endParaRPr lang="en-AU"/>
+            <a:endParaRPr lang="en-AU" dirty="0"/>
           </a:p>
         </p:txBody>
       </p:sp>
@@ -6570,7 +6914,11 @@
           <a:bodyPr/>
           <a:lstStyle/>
           <a:p>
-            <a:endParaRPr lang="en-AU"/>
+            <a:r>
+              <a:rPr lang="en-AU" dirty="0" smtClean="0"/>
+              <a:t>MicroRNAs selectively exported</a:t>
+            </a:r>
+            <a:endParaRPr lang="en-AU" dirty="0"/>
           </a:p>
         </p:txBody>
       </p:sp>
@@ -6597,6 +6945,158 @@
     <p:extLst>
       <p:ext uri="{BB962C8B-B14F-4D97-AF65-F5344CB8AC3E}">
         <p14:creationId xmlns:p14="http://schemas.microsoft.com/office/powerpoint/2010/main" val="1837289170"/>
+      </p:ext>
+    </p:extLst>
+  </p:cSld>
+  <p:clrMapOvr>
+    <a:masterClrMapping/>
+  </p:clrMapOvr>
+</p:sld>
+</file>
+
+<file path=ppt/slides/slide8.xml><?xml version="1.0" encoding="utf-8"?>
+<p:sld xmlns:a="http://schemas.openxmlformats.org/drawingml/2006/main" xmlns:r="http://schemas.openxmlformats.org/officeDocument/2006/relationships" xmlns:p="http://schemas.openxmlformats.org/presentationml/2006/main">
+  <p:cSld>
+    <p:spTree>
+      <p:nvGrpSpPr>
+        <p:cNvPr id="1" name=""/>
+        <p:cNvGrpSpPr/>
+        <p:nvPr/>
+      </p:nvGrpSpPr>
+      <p:grpSpPr>
+        <a:xfrm>
+          <a:off x="0" y="0"/>
+          <a:ext cx="0" cy="0"/>
+          <a:chOff x="0" y="0"/>
+          <a:chExt cx="0" cy="0"/>
+        </a:xfrm>
+      </p:grpSpPr>
+      <p:sp>
+        <p:nvSpPr>
+          <p:cNvPr id="2" name="Title 1"/>
+          <p:cNvSpPr>
+            <a:spLocks noGrp="1"/>
+          </p:cNvSpPr>
+          <p:nvPr>
+            <p:ph type="title"/>
+          </p:nvPr>
+        </p:nvSpPr>
+        <p:spPr/>
+        <p:txBody>
+          <a:bodyPr/>
+          <a:lstStyle/>
+          <a:p>
+            <a:r>
+              <a:rPr lang="en-AU" dirty="0" smtClean="0"/>
+              <a:t>Exported </a:t>
+            </a:r>
+            <a:r>
+              <a:rPr lang="en-AU" dirty="0" err="1" smtClean="0"/>
+              <a:t>miRs</a:t>
+            </a:r>
+            <a:r>
+              <a:rPr lang="en-AU" dirty="0" smtClean="0"/>
+              <a:t> contain motif</a:t>
+            </a:r>
+            <a:endParaRPr lang="en-AU" dirty="0"/>
+          </a:p>
+        </p:txBody>
+      </p:sp>
+      <p:sp>
+        <p:nvSpPr>
+          <p:cNvPr id="3" name="Content Placeholder 2"/>
+          <p:cNvSpPr>
+            <a:spLocks noGrp="1"/>
+          </p:cNvSpPr>
+          <p:nvPr>
+            <p:ph idx="1"/>
+          </p:nvPr>
+        </p:nvSpPr>
+        <p:spPr/>
+        <p:txBody>
+          <a:bodyPr/>
+          <a:lstStyle/>
+          <a:p>
+            <a:endParaRPr lang="en-AU"/>
+          </a:p>
+        </p:txBody>
+      </p:sp>
+    </p:spTree>
+    <p:extLst>
+      <p:ext uri="{BB962C8B-B14F-4D97-AF65-F5344CB8AC3E}">
+        <p14:creationId xmlns:p14="http://schemas.microsoft.com/office/powerpoint/2010/main" val="1966908392"/>
+      </p:ext>
+    </p:extLst>
+  </p:cSld>
+  <p:clrMapOvr>
+    <a:masterClrMapping/>
+  </p:clrMapOvr>
+</p:sld>
+</file>
+
+<file path=ppt/slides/slide9.xml><?xml version="1.0" encoding="utf-8"?>
+<p:sld xmlns:a="http://schemas.openxmlformats.org/drawingml/2006/main" xmlns:r="http://schemas.openxmlformats.org/officeDocument/2006/relationships" xmlns:p="http://schemas.openxmlformats.org/presentationml/2006/main">
+  <p:cSld>
+    <p:spTree>
+      <p:nvGrpSpPr>
+        <p:cNvPr id="1" name=""/>
+        <p:cNvGrpSpPr/>
+        <p:nvPr/>
+      </p:nvGrpSpPr>
+      <p:grpSpPr>
+        <a:xfrm>
+          <a:off x="0" y="0"/>
+          <a:ext cx="0" cy="0"/>
+          <a:chOff x="0" y="0"/>
+          <a:chExt cx="0" cy="0"/>
+        </a:xfrm>
+      </p:grpSpPr>
+      <p:sp>
+        <p:nvSpPr>
+          <p:cNvPr id="2" name="Title 1"/>
+          <p:cNvSpPr>
+            <a:spLocks noGrp="1"/>
+          </p:cNvSpPr>
+          <p:nvPr>
+            <p:ph type="title"/>
+          </p:nvPr>
+        </p:nvSpPr>
+        <p:spPr/>
+        <p:txBody>
+          <a:bodyPr/>
+          <a:lstStyle/>
+          <a:p>
+            <a:r>
+              <a:rPr lang="en-AU" dirty="0" smtClean="0"/>
+              <a:t>RNA-binding proteins exported</a:t>
+            </a:r>
+            <a:endParaRPr lang="en-AU" dirty="0"/>
+          </a:p>
+        </p:txBody>
+      </p:sp>
+      <p:sp>
+        <p:nvSpPr>
+          <p:cNvPr id="3" name="Content Placeholder 2"/>
+          <p:cNvSpPr>
+            <a:spLocks noGrp="1"/>
+          </p:cNvSpPr>
+          <p:nvPr>
+            <p:ph idx="1"/>
+          </p:nvPr>
+        </p:nvSpPr>
+        <p:spPr/>
+        <p:txBody>
+          <a:bodyPr/>
+          <a:lstStyle/>
+          <a:p>
+            <a:endParaRPr lang="en-AU"/>
+          </a:p>
+        </p:txBody>
+      </p:sp>
+    </p:spTree>
+    <p:extLst>
+      <p:ext uri="{BB962C8B-B14F-4D97-AF65-F5344CB8AC3E}">
+        <p14:creationId xmlns:p14="http://schemas.microsoft.com/office/powerpoint/2010/main" val="1526522927"/>
       </p:ext>
     </p:extLst>
   </p:cSld>

--- a/BackgroundInfo/CollCombBiol.pptx
+++ b/BackgroundInfo/CollCombBiol.pptx
@@ -1199,6 +1199,13 @@
         </dgm:presLayoutVars>
       </dgm:prSet>
       <dgm:spPr/>
+      <dgm:t>
+        <a:bodyPr/>
+        <a:lstStyle/>
+        <a:p>
+          <a:endParaRPr lang="en-AU"/>
+        </a:p>
+      </dgm:t>
     </dgm:pt>
     <dgm:pt modelId="{537E957E-2D49-43EA-8008-F973EA99ED84}" type="pres">
       <dgm:prSet presAssocID="{6D4E3A3D-69A5-4984-AEE1-E6BFBD974437}" presName="FiveNodes_3" presStyleLbl="node1" presStyleIdx="2" presStyleCnt="5">
@@ -1207,6 +1214,13 @@
         </dgm:presLayoutVars>
       </dgm:prSet>
       <dgm:spPr/>
+      <dgm:t>
+        <a:bodyPr/>
+        <a:lstStyle/>
+        <a:p>
+          <a:endParaRPr lang="en-AU"/>
+        </a:p>
+      </dgm:t>
     </dgm:pt>
     <dgm:pt modelId="{6EF6A664-D7FA-4909-AC1A-B05262E61B69}" type="pres">
       <dgm:prSet presAssocID="{6D4E3A3D-69A5-4984-AEE1-E6BFBD974437}" presName="FiveNodes_4" presStyleLbl="node1" presStyleIdx="3" presStyleCnt="5">
@@ -1215,6 +1229,13 @@
         </dgm:presLayoutVars>
       </dgm:prSet>
       <dgm:spPr/>
+      <dgm:t>
+        <a:bodyPr/>
+        <a:lstStyle/>
+        <a:p>
+          <a:endParaRPr lang="en-AU"/>
+        </a:p>
+      </dgm:t>
     </dgm:pt>
     <dgm:pt modelId="{1F4391CF-DC44-49F5-9A28-B44F80DF4D55}" type="pres">
       <dgm:prSet presAssocID="{6D4E3A3D-69A5-4984-AEE1-E6BFBD974437}" presName="FiveNodes_5" presStyleLbl="node1" presStyleIdx="4" presStyleCnt="5">
@@ -1238,6 +1259,13 @@
         </dgm:presLayoutVars>
       </dgm:prSet>
       <dgm:spPr/>
+      <dgm:t>
+        <a:bodyPr/>
+        <a:lstStyle/>
+        <a:p>
+          <a:endParaRPr lang="en-AU"/>
+        </a:p>
+      </dgm:t>
     </dgm:pt>
     <dgm:pt modelId="{09B2B401-8928-462C-B29D-38127C77AA4D}" type="pres">
       <dgm:prSet presAssocID="{6D4E3A3D-69A5-4984-AEE1-E6BFBD974437}" presName="FiveConn_2-3" presStyleLbl="fgAccFollowNode1" presStyleIdx="1" presStyleCnt="4">
@@ -1246,6 +1274,13 @@
         </dgm:presLayoutVars>
       </dgm:prSet>
       <dgm:spPr/>
+      <dgm:t>
+        <a:bodyPr/>
+        <a:lstStyle/>
+        <a:p>
+          <a:endParaRPr lang="en-AU"/>
+        </a:p>
+      </dgm:t>
     </dgm:pt>
     <dgm:pt modelId="{94FDD53F-9ABA-4238-8C87-E414C334E987}" type="pres">
       <dgm:prSet presAssocID="{6D4E3A3D-69A5-4984-AEE1-E6BFBD974437}" presName="FiveConn_3-4" presStyleLbl="fgAccFollowNode1" presStyleIdx="2" presStyleCnt="4">
@@ -1254,6 +1289,13 @@
         </dgm:presLayoutVars>
       </dgm:prSet>
       <dgm:spPr/>
+      <dgm:t>
+        <a:bodyPr/>
+        <a:lstStyle/>
+        <a:p>
+          <a:endParaRPr lang="en-AU"/>
+        </a:p>
+      </dgm:t>
     </dgm:pt>
     <dgm:pt modelId="{112B86F2-18EA-41BC-AA1E-EB607F094174}" type="pres">
       <dgm:prSet presAssocID="{6D4E3A3D-69A5-4984-AEE1-E6BFBD974437}" presName="FiveConn_4-5" presStyleLbl="fgAccFollowNode1" presStyleIdx="3" presStyleCnt="4">
@@ -1262,6 +1304,13 @@
         </dgm:presLayoutVars>
       </dgm:prSet>
       <dgm:spPr/>
+      <dgm:t>
+        <a:bodyPr/>
+        <a:lstStyle/>
+        <a:p>
+          <a:endParaRPr lang="en-AU"/>
+        </a:p>
+      </dgm:t>
     </dgm:pt>
     <dgm:pt modelId="{814E2D1B-8446-4303-9B7A-2EC11DDBA6B0}" type="pres">
       <dgm:prSet presAssocID="{6D4E3A3D-69A5-4984-AEE1-E6BFBD974437}" presName="FiveNodes_1_text" presStyleLbl="node1" presStyleIdx="4" presStyleCnt="5">
@@ -1285,6 +1334,13 @@
         </dgm:presLayoutVars>
       </dgm:prSet>
       <dgm:spPr/>
+      <dgm:t>
+        <a:bodyPr/>
+        <a:lstStyle/>
+        <a:p>
+          <a:endParaRPr lang="en-AU"/>
+        </a:p>
+      </dgm:t>
     </dgm:pt>
     <dgm:pt modelId="{70E7B4E2-5541-40D1-84B6-82422B671A20}" type="pres">
       <dgm:prSet presAssocID="{6D4E3A3D-69A5-4984-AEE1-E6BFBD974437}" presName="FiveNodes_3_text" presStyleLbl="node1" presStyleIdx="4" presStyleCnt="5">
@@ -1293,6 +1349,13 @@
         </dgm:presLayoutVars>
       </dgm:prSet>
       <dgm:spPr/>
+      <dgm:t>
+        <a:bodyPr/>
+        <a:lstStyle/>
+        <a:p>
+          <a:endParaRPr lang="en-AU"/>
+        </a:p>
+      </dgm:t>
     </dgm:pt>
     <dgm:pt modelId="{7A7B5E34-AFC1-42A0-BCF5-E34EB6A8A4EC}" type="pres">
       <dgm:prSet presAssocID="{6D4E3A3D-69A5-4984-AEE1-E6BFBD974437}" presName="FiveNodes_4_text" presStyleLbl="node1" presStyleIdx="4" presStyleCnt="5">
@@ -1301,6 +1364,13 @@
         </dgm:presLayoutVars>
       </dgm:prSet>
       <dgm:spPr/>
+      <dgm:t>
+        <a:bodyPr/>
+        <a:lstStyle/>
+        <a:p>
+          <a:endParaRPr lang="en-AU"/>
+        </a:p>
+      </dgm:t>
     </dgm:pt>
     <dgm:pt modelId="{C640AC21-83B8-41D9-8EF9-D019106EA0A7}" type="pres">
       <dgm:prSet presAssocID="{6D4E3A3D-69A5-4984-AEE1-E6BFBD974437}" presName="FiveNodes_5_text" presStyleLbl="node1" presStyleIdx="4" presStyleCnt="5">
@@ -1319,25 +1389,25 @@
     </dgm:pt>
   </dgm:ptLst>
   <dgm:cxnLst>
+    <dgm:cxn modelId="{6DFEDD7E-C989-441C-9647-BEC16E148FB5}" type="presOf" srcId="{6D4E3A3D-69A5-4984-AEE1-E6BFBD974437}" destId="{EC9E55B2-D5E5-43E6-9574-BD580C0C7A8B}" srcOrd="0" destOrd="0" presId="urn:microsoft.com/office/officeart/2005/8/layout/vProcess5"/>
+    <dgm:cxn modelId="{20AAD808-DCD1-4EDA-A0FD-D167951E25C1}" type="presOf" srcId="{D1F51DA7-F9A7-4317-92CD-8B8C67DD150E}" destId="{70E7B4E2-5541-40D1-84B6-82422B671A20}" srcOrd="1" destOrd="0" presId="urn:microsoft.com/office/officeart/2005/8/layout/vProcess5"/>
+    <dgm:cxn modelId="{3C1430F0-A374-4AEC-9E86-B8D56F8EFD9C}" type="presOf" srcId="{F144B903-A589-4F71-AA21-AA1AAECD833D}" destId="{814E2D1B-8446-4303-9B7A-2EC11DDBA6B0}" srcOrd="1" destOrd="0" presId="urn:microsoft.com/office/officeart/2005/8/layout/vProcess5"/>
+    <dgm:cxn modelId="{5FBA6CEC-6D8A-4ECF-BA15-5C0A65639F53}" type="presOf" srcId="{A143A7AF-6C8B-409A-8CC5-D60FDF027217}" destId="{112B86F2-18EA-41BC-AA1E-EB607F094174}" srcOrd="0" destOrd="0" presId="urn:microsoft.com/office/officeart/2005/8/layout/vProcess5"/>
+    <dgm:cxn modelId="{74DFDA59-6752-455C-B57D-E7CBAB6CE1E8}" type="presOf" srcId="{F144B903-A589-4F71-AA21-AA1AAECD833D}" destId="{B5AB1BF9-4ACD-4891-81A7-FE6469FA1B42}" srcOrd="0" destOrd="0" presId="urn:microsoft.com/office/officeart/2005/8/layout/vProcess5"/>
+    <dgm:cxn modelId="{9CC7E083-9808-49B8-8B40-7377E0B4B5CB}" srcId="{6D4E3A3D-69A5-4984-AEE1-E6BFBD974437}" destId="{39F55482-F6CF-47E4-BAAC-2A22040F9A1E}" srcOrd="3" destOrd="0" parTransId="{DBD7EC3E-CA52-4CC6-8277-9077F372CB81}" sibTransId="{A143A7AF-6C8B-409A-8CC5-D60FDF027217}"/>
+    <dgm:cxn modelId="{0BE77A12-95D9-4662-8A35-E3AD3D405827}" type="presOf" srcId="{39F55482-F6CF-47E4-BAAC-2A22040F9A1E}" destId="{7A7B5E34-AFC1-42A0-BCF5-E34EB6A8A4EC}" srcOrd="1" destOrd="0" presId="urn:microsoft.com/office/officeart/2005/8/layout/vProcess5"/>
+    <dgm:cxn modelId="{6DB55979-2599-4E7F-925E-31731D016EC7}" type="presOf" srcId="{E12751A6-FC10-4A8F-A7CA-F1DC4E160A08}" destId="{09B2B401-8928-462C-B29D-38127C77AA4D}" srcOrd="0" destOrd="0" presId="urn:microsoft.com/office/officeart/2005/8/layout/vProcess5"/>
+    <dgm:cxn modelId="{1003D551-CFBD-4A36-B5ED-49C0B5ABC90B}" srcId="{6D4E3A3D-69A5-4984-AEE1-E6BFBD974437}" destId="{684836CF-9083-450E-A1FA-D26577A6A0E9}" srcOrd="4" destOrd="0" parTransId="{2E359D97-E4AD-485F-8B73-B391A13BE006}" sibTransId="{B64919E7-DAE9-427A-8DA8-78ED0C3D6E4F}"/>
+    <dgm:cxn modelId="{7561152C-4986-44CD-9D31-53FA414840ED}" srcId="{6D4E3A3D-69A5-4984-AEE1-E6BFBD974437}" destId="{F144B903-A589-4F71-AA21-AA1AAECD833D}" srcOrd="0" destOrd="0" parTransId="{829AA757-4A6F-4910-B503-EFBAD8650C19}" sibTransId="{315DE6A6-D894-497C-90BC-5B193E877242}"/>
+    <dgm:cxn modelId="{8AD82013-E6B3-4ED9-BB27-C077613C5C5E}" type="presOf" srcId="{B7BD2436-952D-4123-88C2-E94260E3A9A5}" destId="{142466EF-5655-42A9-8BF0-F1624F077F06}" srcOrd="0" destOrd="0" presId="urn:microsoft.com/office/officeart/2005/8/layout/vProcess5"/>
+    <dgm:cxn modelId="{01010751-D700-4898-BDC1-0D301BC0800D}" type="presOf" srcId="{684836CF-9083-450E-A1FA-D26577A6A0E9}" destId="{1F4391CF-DC44-49F5-9A28-B44F80DF4D55}" srcOrd="0" destOrd="0" presId="urn:microsoft.com/office/officeart/2005/8/layout/vProcess5"/>
+    <dgm:cxn modelId="{50A2B3C8-A306-4C3E-B8AA-65CE9364EA25}" type="presOf" srcId="{6C27A8E2-8796-4088-87BD-B7AC18B81D1F}" destId="{94FDD53F-9ABA-4238-8C87-E414C334E987}" srcOrd="0" destOrd="0" presId="urn:microsoft.com/office/officeart/2005/8/layout/vProcess5"/>
+    <dgm:cxn modelId="{448D1329-B5A7-4FCE-8EF4-6FEE6E919E56}" type="presOf" srcId="{39F55482-F6CF-47E4-BAAC-2A22040F9A1E}" destId="{6EF6A664-D7FA-4909-AC1A-B05262E61B69}" srcOrd="0" destOrd="0" presId="urn:microsoft.com/office/officeart/2005/8/layout/vProcess5"/>
+    <dgm:cxn modelId="{D0B345A5-DB22-441A-BC6E-EADEFD443D7E}" type="presOf" srcId="{D1F51DA7-F9A7-4317-92CD-8B8C67DD150E}" destId="{537E957E-2D49-43EA-8008-F973EA99ED84}" srcOrd="0" destOrd="0" presId="urn:microsoft.com/office/officeart/2005/8/layout/vProcess5"/>
+    <dgm:cxn modelId="{FFDC5AD1-237F-470F-A925-BD3176C07E85}" srcId="{6D4E3A3D-69A5-4984-AEE1-E6BFBD974437}" destId="{B7BD2436-952D-4123-88C2-E94260E3A9A5}" srcOrd="1" destOrd="0" parTransId="{DF443CFF-5D94-4858-8E4E-FBAB9BAC349B}" sibTransId="{E12751A6-FC10-4A8F-A7CA-F1DC4E160A08}"/>
     <dgm:cxn modelId="{8B158D8C-5BE2-4DC3-A7B1-5C6FDB64E566}" type="presOf" srcId="{B7BD2436-952D-4123-88C2-E94260E3A9A5}" destId="{CA177E4B-EFC7-4A95-995D-EB7F356FDF55}" srcOrd="1" destOrd="0" presId="urn:microsoft.com/office/officeart/2005/8/layout/vProcess5"/>
-    <dgm:cxn modelId="{74DFDA59-6752-455C-B57D-E7CBAB6CE1E8}" type="presOf" srcId="{F144B903-A589-4F71-AA21-AA1AAECD833D}" destId="{B5AB1BF9-4ACD-4891-81A7-FE6469FA1B42}" srcOrd="0" destOrd="0" presId="urn:microsoft.com/office/officeart/2005/8/layout/vProcess5"/>
-    <dgm:cxn modelId="{5FBA6CEC-6D8A-4ECF-BA15-5C0A65639F53}" type="presOf" srcId="{A143A7AF-6C8B-409A-8CC5-D60FDF027217}" destId="{112B86F2-18EA-41BC-AA1E-EB607F094174}" srcOrd="0" destOrd="0" presId="urn:microsoft.com/office/officeart/2005/8/layout/vProcess5"/>
-    <dgm:cxn modelId="{01010751-D700-4898-BDC1-0D301BC0800D}" type="presOf" srcId="{684836CF-9083-450E-A1FA-D26577A6A0E9}" destId="{1F4391CF-DC44-49F5-9A28-B44F80DF4D55}" srcOrd="0" destOrd="0" presId="urn:microsoft.com/office/officeart/2005/8/layout/vProcess5"/>
-    <dgm:cxn modelId="{6DFEDD7E-C989-441C-9647-BEC16E148FB5}" type="presOf" srcId="{6D4E3A3D-69A5-4984-AEE1-E6BFBD974437}" destId="{EC9E55B2-D5E5-43E6-9574-BD580C0C7A8B}" srcOrd="0" destOrd="0" presId="urn:microsoft.com/office/officeart/2005/8/layout/vProcess5"/>
-    <dgm:cxn modelId="{7561152C-4986-44CD-9D31-53FA414840ED}" srcId="{6D4E3A3D-69A5-4984-AEE1-E6BFBD974437}" destId="{F144B903-A589-4F71-AA21-AA1AAECD833D}" srcOrd="0" destOrd="0" parTransId="{829AA757-4A6F-4910-B503-EFBAD8650C19}" sibTransId="{315DE6A6-D894-497C-90BC-5B193E877242}"/>
-    <dgm:cxn modelId="{1003D551-CFBD-4A36-B5ED-49C0B5ABC90B}" srcId="{6D4E3A3D-69A5-4984-AEE1-E6BFBD974437}" destId="{684836CF-9083-450E-A1FA-D26577A6A0E9}" srcOrd="4" destOrd="0" parTransId="{2E359D97-E4AD-485F-8B73-B391A13BE006}" sibTransId="{B64919E7-DAE9-427A-8DA8-78ED0C3D6E4F}"/>
-    <dgm:cxn modelId="{0BE77A12-95D9-4662-8A35-E3AD3D405827}" type="presOf" srcId="{39F55482-F6CF-47E4-BAAC-2A22040F9A1E}" destId="{7A7B5E34-AFC1-42A0-BCF5-E34EB6A8A4EC}" srcOrd="1" destOrd="0" presId="urn:microsoft.com/office/officeart/2005/8/layout/vProcess5"/>
-    <dgm:cxn modelId="{20AAD808-DCD1-4EDA-A0FD-D167951E25C1}" type="presOf" srcId="{D1F51DA7-F9A7-4317-92CD-8B8C67DD150E}" destId="{70E7B4E2-5541-40D1-84B6-82422B671A20}" srcOrd="1" destOrd="0" presId="urn:microsoft.com/office/officeart/2005/8/layout/vProcess5"/>
-    <dgm:cxn modelId="{9CC7E083-9808-49B8-8B40-7377E0B4B5CB}" srcId="{6D4E3A3D-69A5-4984-AEE1-E6BFBD974437}" destId="{39F55482-F6CF-47E4-BAAC-2A22040F9A1E}" srcOrd="3" destOrd="0" parTransId="{DBD7EC3E-CA52-4CC6-8277-9077F372CB81}" sibTransId="{A143A7AF-6C8B-409A-8CC5-D60FDF027217}"/>
-    <dgm:cxn modelId="{3C1430F0-A374-4AEC-9E86-B8D56F8EFD9C}" type="presOf" srcId="{F144B903-A589-4F71-AA21-AA1AAECD833D}" destId="{814E2D1B-8446-4303-9B7A-2EC11DDBA6B0}" srcOrd="1" destOrd="0" presId="urn:microsoft.com/office/officeart/2005/8/layout/vProcess5"/>
-    <dgm:cxn modelId="{448D1329-B5A7-4FCE-8EF4-6FEE6E919E56}" type="presOf" srcId="{39F55482-F6CF-47E4-BAAC-2A22040F9A1E}" destId="{6EF6A664-D7FA-4909-AC1A-B05262E61B69}" srcOrd="0" destOrd="0" presId="urn:microsoft.com/office/officeart/2005/8/layout/vProcess5"/>
-    <dgm:cxn modelId="{FFDC5AD1-237F-470F-A925-BD3176C07E85}" srcId="{6D4E3A3D-69A5-4984-AEE1-E6BFBD974437}" destId="{B7BD2436-952D-4123-88C2-E94260E3A9A5}" srcOrd="1" destOrd="0" parTransId="{DF443CFF-5D94-4858-8E4E-FBAB9BAC349B}" sibTransId="{E12751A6-FC10-4A8F-A7CA-F1DC4E160A08}"/>
-    <dgm:cxn modelId="{8AD82013-E6B3-4ED9-BB27-C077613C5C5E}" type="presOf" srcId="{B7BD2436-952D-4123-88C2-E94260E3A9A5}" destId="{142466EF-5655-42A9-8BF0-F1624F077F06}" srcOrd="0" destOrd="0" presId="urn:microsoft.com/office/officeart/2005/8/layout/vProcess5"/>
+    <dgm:cxn modelId="{9080F42E-18BE-447B-ADB5-CFAE59B58658}" type="presOf" srcId="{315DE6A6-D894-497C-90BC-5B193E877242}" destId="{7C7A3F0C-3A09-40A9-B3A8-9BCA2A046C7A}" srcOrd="0" destOrd="0" presId="urn:microsoft.com/office/officeart/2005/8/layout/vProcess5"/>
     <dgm:cxn modelId="{696A0980-380E-46CA-A569-B76614BCB2D5}" srcId="{6D4E3A3D-69A5-4984-AEE1-E6BFBD974437}" destId="{D1F51DA7-F9A7-4317-92CD-8B8C67DD150E}" srcOrd="2" destOrd="0" parTransId="{61059BE2-4193-4F76-81C9-81CD0B6A62A2}" sibTransId="{6C27A8E2-8796-4088-87BD-B7AC18B81D1F}"/>
-    <dgm:cxn modelId="{9080F42E-18BE-447B-ADB5-CFAE59B58658}" type="presOf" srcId="{315DE6A6-D894-497C-90BC-5B193E877242}" destId="{7C7A3F0C-3A09-40A9-B3A8-9BCA2A046C7A}" srcOrd="0" destOrd="0" presId="urn:microsoft.com/office/officeart/2005/8/layout/vProcess5"/>
-    <dgm:cxn modelId="{50A2B3C8-A306-4C3E-B8AA-65CE9364EA25}" type="presOf" srcId="{6C27A8E2-8796-4088-87BD-B7AC18B81D1F}" destId="{94FDD53F-9ABA-4238-8C87-E414C334E987}" srcOrd="0" destOrd="0" presId="urn:microsoft.com/office/officeart/2005/8/layout/vProcess5"/>
-    <dgm:cxn modelId="{6DB55979-2599-4E7F-925E-31731D016EC7}" type="presOf" srcId="{E12751A6-FC10-4A8F-A7CA-F1DC4E160A08}" destId="{09B2B401-8928-462C-B29D-38127C77AA4D}" srcOrd="0" destOrd="0" presId="urn:microsoft.com/office/officeart/2005/8/layout/vProcess5"/>
-    <dgm:cxn modelId="{D0B345A5-DB22-441A-BC6E-EADEFD443D7E}" type="presOf" srcId="{D1F51DA7-F9A7-4317-92CD-8B8C67DD150E}" destId="{537E957E-2D49-43EA-8008-F973EA99ED84}" srcOrd="0" destOrd="0" presId="urn:microsoft.com/office/officeart/2005/8/layout/vProcess5"/>
     <dgm:cxn modelId="{FB264E9F-BB1E-47C3-B277-7571FFBF1F87}" type="presOf" srcId="{684836CF-9083-450E-A1FA-D26577A6A0E9}" destId="{C640AC21-83B8-41D9-8EF9-D019106EA0A7}" srcOrd="1" destOrd="0" presId="urn:microsoft.com/office/officeart/2005/8/layout/vProcess5"/>
     <dgm:cxn modelId="{8911D481-D42F-4FF4-AF67-2BEA9DB7DA3A}" type="presParOf" srcId="{EC9E55B2-D5E5-43E6-9574-BD580C0C7A8B}" destId="{EDF2CDF0-C1AA-4D39-954E-26DC0E27057E}" srcOrd="0" destOrd="0" presId="urn:microsoft.com/office/officeart/2005/8/layout/vProcess5"/>
     <dgm:cxn modelId="{2E9BA727-C8AB-4957-853A-15FFBE4FD88D}" type="presParOf" srcId="{EC9E55B2-D5E5-43E6-9574-BD580C0C7A8B}" destId="{B5AB1BF9-4ACD-4891-81A7-FE6469FA1B42}" srcOrd="1" destOrd="0" presId="urn:microsoft.com/office/officeart/2005/8/layout/vProcess5"/>
@@ -10467,11 +10537,7 @@
           <a:p>
             <a:r>
               <a:rPr lang="en-AU" dirty="0" smtClean="0"/>
-              <a:t>Investigating similarities </a:t>
-            </a:r>
-            <a:r>
-              <a:rPr lang="en-AU" dirty="0" smtClean="0"/>
-              <a:t>of </a:t>
+              <a:t>Investigating similarities of </a:t>
             </a:r>
             <a:r>
               <a:rPr lang="en-AU" dirty="0" err="1" smtClean="0"/>
@@ -10580,7 +10646,7 @@
         </p:blipFill>
         <p:spPr>
           <a:xfrm>
-            <a:off x="2966884" y="1547446"/>
+            <a:off x="2720571" y="1615685"/>
             <a:ext cx="6071609" cy="4437185"/>
           </a:xfrm>
           <a:prstGeom prst="rect">
@@ -10654,7 +10720,7 @@
         <p:spPr>
           <a:xfrm>
             <a:off x="646111" y="2059111"/>
-            <a:ext cx="8946541" cy="4195481"/>
+            <a:ext cx="5645643" cy="4195481"/>
           </a:xfrm>
         </p:spPr>
         <p:txBody>
@@ -10667,52 +10733,90 @@
               <a:buNone/>
             </a:pPr>
             <a:r>
-              <a:rPr lang="en-US" sz="2400" dirty="0" smtClean="0"/>
+              <a:rPr lang="en-US" dirty="0" smtClean="0"/>
               <a:t>Candidate checklist: </a:t>
             </a:r>
           </a:p>
           <a:p>
-            <a:pPr marL="0" indent="0">
+            <a:pPr lvl="1"/>
+            <a:r>
+              <a:rPr lang="en-US" dirty="0" smtClean="0"/>
+              <a:t>Needs to be differentially </a:t>
+            </a:r>
+            <a:r>
+              <a:rPr lang="en-US" dirty="0" smtClean="0"/>
+              <a:t>exported</a:t>
+            </a:r>
+            <a:endParaRPr lang="en-US" dirty="0" smtClean="0"/>
+          </a:p>
+          <a:p>
+            <a:pPr lvl="1"/>
+            <a:r>
+              <a:rPr lang="en-US" dirty="0" smtClean="0"/>
+              <a:t>Must bind </a:t>
+            </a:r>
+            <a:r>
+              <a:rPr lang="en-US" dirty="0" smtClean="0"/>
+              <a:t>RNA</a:t>
+            </a:r>
+            <a:endParaRPr lang="en-AU" dirty="0"/>
+          </a:p>
+          <a:p>
+            <a:pPr lvl="1"/>
+            <a:r>
+              <a:rPr lang="en-US" dirty="0" smtClean="0"/>
+              <a:t>Predicted </a:t>
+            </a:r>
+            <a:r>
+              <a:rPr lang="en-US" dirty="0" smtClean="0"/>
+              <a:t>to bind the exported </a:t>
+            </a:r>
+            <a:r>
+              <a:rPr lang="en-US" dirty="0" err="1" smtClean="0"/>
+              <a:t>miRs</a:t>
+            </a:r>
+            <a:r>
+              <a:rPr lang="en-US" dirty="0" smtClean="0"/>
+              <a:t>. </a:t>
+            </a:r>
+            <a:endParaRPr lang="en-US" dirty="0" smtClean="0"/>
+          </a:p>
+          <a:p>
+            <a:pPr marL="0" lvl="1" indent="0">
               <a:buNone/>
             </a:pPr>
-            <a:endParaRPr lang="en-US" sz="2400" dirty="0" smtClean="0"/>
-          </a:p>
-          <a:p>
-            <a:pPr lvl="1"/>
-            <a:r>
-              <a:rPr lang="en-US" sz="2000" dirty="0" smtClean="0"/>
-              <a:t>Needs to be differentially exported</a:t>
-            </a:r>
-          </a:p>
-          <a:p>
-            <a:pPr lvl="1"/>
-            <a:endParaRPr lang="en-US" sz="2000" dirty="0" smtClean="0"/>
-          </a:p>
-          <a:p>
-            <a:pPr lvl="1"/>
-            <a:r>
-              <a:rPr lang="en-US" sz="2000" dirty="0" smtClean="0"/>
-              <a:t>Must bind RNA</a:t>
-            </a:r>
-          </a:p>
-          <a:p>
-            <a:pPr lvl="1"/>
-            <a:endParaRPr lang="en-AU" sz="2000" dirty="0"/>
-          </a:p>
-          <a:p>
-            <a:pPr lvl="1"/>
-            <a:r>
-              <a:rPr lang="en-US" sz="2000" dirty="0" smtClean="0"/>
-              <a:t>Predicted to bind the exported </a:t>
-            </a:r>
-            <a:r>
-              <a:rPr lang="en-US" sz="2000" dirty="0" err="1" smtClean="0"/>
-              <a:t>miRs</a:t>
-            </a:r>
-            <a:r>
-              <a:rPr lang="en-US" sz="2000" dirty="0" smtClean="0"/>
-              <a:t>. </a:t>
-            </a:r>
+            <a:endParaRPr lang="en-US" dirty="0"/>
+          </a:p>
+          <a:p>
+            <a:pPr marL="0" lvl="1" indent="0">
+              <a:buNone/>
+            </a:pPr>
+            <a:r>
+              <a:rPr lang="en-US" dirty="0" smtClean="0"/>
+              <a:t>MS/MS compared proteomic content of EVs from PC3 and PC3-cavin-1 cells. </a:t>
+            </a:r>
+          </a:p>
+          <a:p>
+            <a:pPr marL="0" lvl="1" indent="0">
+              <a:buNone/>
+            </a:pPr>
+            <a:endParaRPr lang="en-US" dirty="0" smtClean="0"/>
+          </a:p>
+          <a:p>
+            <a:pPr marL="0" lvl="1" indent="0">
+              <a:buNone/>
+            </a:pPr>
+            <a:r>
+              <a:rPr lang="en-US" dirty="0" smtClean="0"/>
+              <a:t>Gene Ontology analysis for RNA binding. </a:t>
+            </a:r>
+            <a:endParaRPr lang="en-US" dirty="0" smtClean="0"/>
+          </a:p>
+          <a:p>
+            <a:pPr marL="457200" lvl="1" indent="0">
+              <a:buNone/>
+            </a:pPr>
+            <a:endParaRPr lang="en-US" dirty="0"/>
           </a:p>
         </p:txBody>
       </p:sp>
@@ -10833,7 +10937,11 @@
             </a:r>
             <a:r>
               <a:rPr lang="en-US" dirty="0" smtClean="0"/>
-              <a:t> commonly exported in cancer derived EVs</a:t>
+              <a:t> </a:t>
+            </a:r>
+            <a:r>
+              <a:rPr lang="en-US" dirty="0" smtClean="0"/>
+              <a:t>commonly exported in cancer derived EVs</a:t>
             </a:r>
           </a:p>
           <a:p>
@@ -10870,8 +10978,36 @@
             <a:pPr lvl="1"/>
             <a:r>
               <a:rPr lang="en-US" dirty="0" smtClean="0"/>
-              <a:t>FIMO prediction  matches motif to this region (p=0.0435)</a:t>
-            </a:r>
+              <a:t>FIMO </a:t>
+            </a:r>
+            <a:r>
+              <a:rPr lang="en-US" dirty="0" smtClean="0"/>
+              <a:t>prediction </a:t>
+            </a:r>
+            <a:r>
+              <a:rPr lang="en-US" dirty="0" smtClean="0"/>
+              <a:t>matches motif to this region (p=0.0435</a:t>
+            </a:r>
+            <a:r>
+              <a:rPr lang="en-US" dirty="0" smtClean="0"/>
+              <a:t>)</a:t>
+            </a:r>
+          </a:p>
+          <a:p>
+            <a:pPr marL="285750" lvl="1"/>
+            <a:endParaRPr lang="en-US" dirty="0" smtClean="0"/>
+          </a:p>
+          <a:p>
+            <a:pPr marL="285750" lvl="1"/>
+            <a:r>
+              <a:rPr lang="en-US" sz="2000" dirty="0" err="1" smtClean="0"/>
+              <a:t>hnRNPK</a:t>
+            </a:r>
+            <a:r>
+              <a:rPr lang="en-US" sz="2000" dirty="0" smtClean="0"/>
+              <a:t> fulfils all criteria for the candidate export protein</a:t>
+            </a:r>
+            <a:endParaRPr lang="en-US" sz="2000" dirty="0"/>
           </a:p>
         </p:txBody>
       </p:sp>
@@ -10946,7 +11082,7 @@
         </p:nvSpPr>
         <p:spPr>
           <a:xfrm>
-            <a:off x="1103312" y="2930391"/>
+            <a:off x="874712" y="2957687"/>
             <a:ext cx="3151798" cy="4195481"/>
           </a:xfrm>
         </p:spPr>
@@ -11069,6 +11205,42 @@
           </a:prstGeom>
         </p:spPr>
       </p:pic>
+      <p:sp>
+        <p:nvSpPr>
+          <p:cNvPr id="3" name="TextBox 2"/>
+          <p:cNvSpPr txBox="1"/>
+          <p:nvPr/>
+        </p:nvSpPr>
+        <p:spPr>
+          <a:xfrm>
+            <a:off x="768087" y="3150841"/>
+            <a:ext cx="2185214" cy="646331"/>
+          </a:xfrm>
+          <a:prstGeom prst="rect">
+            <a:avLst/>
+          </a:prstGeom>
+          <a:noFill/>
+        </p:spPr>
+        <p:txBody>
+          <a:bodyPr wrap="none" rtlCol="0">
+            <a:spAutoFit/>
+          </a:bodyPr>
+          <a:lstStyle/>
+          <a:p>
+            <a:r>
+              <a:rPr lang="en-AU" dirty="0" smtClean="0"/>
+              <a:t>CD9 is a MVB and</a:t>
+            </a:r>
+          </a:p>
+          <a:p>
+            <a:r>
+              <a:rPr lang="en-AU" dirty="0" smtClean="0"/>
+              <a:t>exosome marker</a:t>
+            </a:r>
+            <a:endParaRPr lang="en-AU" dirty="0"/>
+          </a:p>
+        </p:txBody>
+      </p:sp>
     </p:spTree>
     <p:extLst>
       <p:ext uri="{BB962C8B-B14F-4D97-AF65-F5344CB8AC3E}">
@@ -11148,7 +11320,7 @@
         </p:blipFill>
         <p:spPr>
           <a:xfrm>
-            <a:off x="2174630" y="1405394"/>
+            <a:off x="1028218" y="1459985"/>
             <a:ext cx="7461739" cy="4943568"/>
           </a:xfrm>
           <a:prstGeom prst="rect">
@@ -11156,6 +11328,42 @@
           </a:prstGeom>
         </p:spPr>
       </p:pic>
+      <p:sp>
+        <p:nvSpPr>
+          <p:cNvPr id="3" name="TextBox 2"/>
+          <p:cNvSpPr txBox="1"/>
+          <p:nvPr/>
+        </p:nvSpPr>
+        <p:spPr>
+          <a:xfrm>
+            <a:off x="8775510" y="2797791"/>
+            <a:ext cx="2295821" cy="646331"/>
+          </a:xfrm>
+          <a:prstGeom prst="rect">
+            <a:avLst/>
+          </a:prstGeom>
+          <a:noFill/>
+        </p:spPr>
+        <p:txBody>
+          <a:bodyPr wrap="none" rtlCol="0">
+            <a:spAutoFit/>
+          </a:bodyPr>
+          <a:lstStyle/>
+          <a:p>
+            <a:r>
+              <a:rPr lang="en-AU" dirty="0" smtClean="0"/>
+              <a:t>ERp44 is a resident </a:t>
+            </a:r>
+          </a:p>
+          <a:p>
+            <a:r>
+              <a:rPr lang="en-AU" dirty="0" smtClean="0"/>
+              <a:t>ER protein</a:t>
+            </a:r>
+            <a:endParaRPr lang="en-AU" dirty="0"/>
+          </a:p>
+        </p:txBody>
+      </p:sp>
     </p:spTree>
     <p:extLst>
       <p:ext uri="{BB962C8B-B14F-4D97-AF65-F5344CB8AC3E}">
@@ -11916,7 +12124,6 @@
               <a:rPr lang="en-US" dirty="0" smtClean="0"/>
               <a:t>4 – Control; rabbit IgG </a:t>
             </a:r>
-            <a:endParaRPr lang="en-US" dirty="0" smtClean="0"/>
           </a:p>
         </p:txBody>
       </p:sp>
@@ -12009,23 +12216,23 @@
             <p:ph idx="1"/>
             <p:extLst>
               <p:ext uri="{D42A27DB-BD31-4B8C-83A1-F6EECF244321}">
-                <p14:modId xmlns:p14="http://schemas.microsoft.com/office/powerpoint/2010/main" val="2242129273"/>
+                <p14:modId xmlns:p14="http://schemas.microsoft.com/office/powerpoint/2010/main" val="196096635"/>
               </p:ext>
             </p:extLst>
           </p:nvPr>
         </p:nvGraphicFramePr>
         <p:xfrm>
-          <a:off x="5348472" y="2262310"/>
-          <a:ext cx="4423649" cy="2402230"/>
+          <a:off x="5935326" y="2535266"/>
+          <a:ext cx="5064769" cy="2402230"/>
         </p:xfrm>
         <a:graphic>
           <a:graphicData uri="http://schemas.openxmlformats.org/drawingml/2006/table">
             <a:tbl>
               <a:tblPr firstRow="1" firstCol="1" bandRow="1"/>
               <a:tblGrid>
-                <a:gridCol w="1028992"/>
-                <a:gridCol w="1954214"/>
-                <a:gridCol w="1440443"/>
+                <a:gridCol w="1178124"/>
+                <a:gridCol w="2237439"/>
+                <a:gridCol w="1649206"/>
               </a:tblGrid>
               <a:tr h="480446">
                 <a:tc>
@@ -12042,7 +12249,7 @@
                         </a:spcAft>
                       </a:pPr>
                       <a:r>
-                        <a:rPr lang="en-US" sz="1400" dirty="0">
+                        <a:rPr lang="en-US" sz="2000" dirty="0">
                           <a:effectLst/>
                           <a:latin typeface="Times New Roman" panose="02020603050405020304" pitchFamily="18" charset="0"/>
                           <a:ea typeface="Calibri" panose="020F0502020204030204" pitchFamily="34" charset="0"/>
@@ -12050,7 +12257,7 @@
                         </a:rPr>
                         <a:t> </a:t>
                       </a:r>
-                      <a:endParaRPr lang="en-AU" sz="1100" dirty="0">
+                      <a:endParaRPr lang="en-AU" sz="1600" dirty="0">
                         <a:effectLst/>
                         <a:latin typeface="Calibri" panose="020F0502020204030204" pitchFamily="34" charset="0"/>
                         <a:ea typeface="Calibri" panose="020F0502020204030204" pitchFamily="34" charset="0"/>
@@ -12107,7 +12314,7 @@
                         </a:spcAft>
                       </a:pPr>
                       <a:r>
-                        <a:rPr lang="en-US" sz="1400" dirty="0">
+                        <a:rPr lang="en-US" sz="2000" dirty="0">
                           <a:effectLst/>
                           <a:latin typeface="Times New Roman" panose="02020603050405020304" pitchFamily="18" charset="0"/>
                           <a:ea typeface="Calibri" panose="020F0502020204030204" pitchFamily="34" charset="0"/>
@@ -12115,7 +12322,7 @@
                         </a:rPr>
                         <a:t>RNA eluted (ng/µL)</a:t>
                       </a:r>
-                      <a:endParaRPr lang="en-AU" sz="1100" dirty="0">
+                      <a:endParaRPr lang="en-AU" sz="1600" dirty="0">
                         <a:effectLst/>
                         <a:latin typeface="Calibri" panose="020F0502020204030204" pitchFamily="34" charset="0"/>
                         <a:ea typeface="Calibri" panose="020F0502020204030204" pitchFamily="34" charset="0"/>
@@ -12188,7 +12395,7 @@
                         </a:spcAft>
                       </a:pPr>
                       <a:r>
-                        <a:rPr lang="en-US" sz="1400">
+                        <a:rPr lang="en-US" sz="2000">
                           <a:effectLst/>
                           <a:latin typeface="Times New Roman" panose="02020603050405020304" pitchFamily="18" charset="0"/>
                           <a:ea typeface="Calibri" panose="020F0502020204030204" pitchFamily="34" charset="0"/>
@@ -12196,7 +12403,7 @@
                         </a:rPr>
                         <a:t>Replicate</a:t>
                       </a:r>
-                      <a:endParaRPr lang="en-AU" sz="1100">
+                      <a:endParaRPr lang="en-AU" sz="1600">
                         <a:effectLst/>
                         <a:latin typeface="Calibri" panose="020F0502020204030204" pitchFamily="34" charset="0"/>
                         <a:ea typeface="Calibri" panose="020F0502020204030204" pitchFamily="34" charset="0"/>
@@ -12257,15 +12464,24 @@
                         </a:spcAft>
                       </a:pPr>
                       <a:r>
-                        <a:rPr lang="en-US" sz="1400">
+                        <a:rPr lang="en-US" sz="2000" dirty="0" err="1">
                           <a:effectLst/>
                           <a:latin typeface="Times New Roman" panose="02020603050405020304" pitchFamily="18" charset="0"/>
                           <a:ea typeface="Calibri" panose="020F0502020204030204" pitchFamily="34" charset="0"/>
                           <a:cs typeface="Times New Roman" panose="02020603050405020304" pitchFamily="18" charset="0"/>
                         </a:rPr>
-                        <a:t>hnRNPK IP</a:t>
+                        <a:t>hnRNPK</a:t>
                       </a:r>
-                      <a:endParaRPr lang="en-AU" sz="1100">
+                      <a:r>
+                        <a:rPr lang="en-US" sz="2000" dirty="0">
+                          <a:effectLst/>
+                          <a:latin typeface="Times New Roman" panose="02020603050405020304" pitchFamily="18" charset="0"/>
+                          <a:ea typeface="Calibri" panose="020F0502020204030204" pitchFamily="34" charset="0"/>
+                          <a:cs typeface="Times New Roman" panose="02020603050405020304" pitchFamily="18" charset="0"/>
+                        </a:rPr>
+                        <a:t> IP</a:t>
+                      </a:r>
+                      <a:endParaRPr lang="en-AU" sz="1600" dirty="0">
                         <a:effectLst/>
                         <a:latin typeface="Calibri" panose="020F0502020204030204" pitchFamily="34" charset="0"/>
                         <a:ea typeface="Calibri" panose="020F0502020204030204" pitchFamily="34" charset="0"/>
@@ -12326,7 +12542,7 @@
                         </a:spcAft>
                       </a:pPr>
                       <a:r>
-                        <a:rPr lang="en-US" sz="1400">
+                        <a:rPr lang="en-US" sz="2000">
                           <a:effectLst/>
                           <a:latin typeface="Times New Roman" panose="02020603050405020304" pitchFamily="18" charset="0"/>
                           <a:ea typeface="Calibri" panose="020F0502020204030204" pitchFamily="34" charset="0"/>
@@ -12334,7 +12550,7 @@
                         </a:rPr>
                         <a:t>IgG Control</a:t>
                       </a:r>
-                      <a:endParaRPr lang="en-AU" sz="1100">
+                      <a:endParaRPr lang="en-AU" sz="1600">
                         <a:effectLst/>
                         <a:latin typeface="Calibri" panose="020F0502020204030204" pitchFamily="34" charset="0"/>
                         <a:ea typeface="Calibri" panose="020F0502020204030204" pitchFamily="34" charset="0"/>
@@ -12397,7 +12613,7 @@
                         </a:spcAft>
                       </a:pPr>
                       <a:r>
-                        <a:rPr lang="en-US" sz="1400">
+                        <a:rPr lang="en-US" sz="2000">
                           <a:effectLst/>
                           <a:latin typeface="Times New Roman" panose="02020603050405020304" pitchFamily="18" charset="0"/>
                           <a:ea typeface="Calibri" panose="020F0502020204030204" pitchFamily="34" charset="0"/>
@@ -12405,7 +12621,7 @@
                         </a:rPr>
                         <a:t>1</a:t>
                       </a:r>
-                      <a:endParaRPr lang="en-AU" sz="1100">
+                      <a:endParaRPr lang="en-AU" sz="1600">
                         <a:effectLst/>
                         <a:latin typeface="Calibri" panose="020F0502020204030204" pitchFamily="34" charset="0"/>
                         <a:ea typeface="Calibri" panose="020F0502020204030204" pitchFamily="34" charset="0"/>
@@ -12466,7 +12682,7 @@
                         </a:spcAft>
                       </a:pPr>
                       <a:r>
-                        <a:rPr lang="en-US" sz="1400">
+                        <a:rPr lang="en-US" sz="2000">
                           <a:effectLst/>
                           <a:latin typeface="Times New Roman" panose="02020603050405020304" pitchFamily="18" charset="0"/>
                           <a:ea typeface="Calibri" panose="020F0502020204030204" pitchFamily="34" charset="0"/>
@@ -12474,7 +12690,7 @@
                         </a:rPr>
                         <a:t>11.78</a:t>
                       </a:r>
-                      <a:endParaRPr lang="en-AU" sz="1100">
+                      <a:endParaRPr lang="en-AU" sz="1600">
                         <a:effectLst/>
                         <a:latin typeface="Calibri" panose="020F0502020204030204" pitchFamily="34" charset="0"/>
                         <a:ea typeface="Calibri" panose="020F0502020204030204" pitchFamily="34" charset="0"/>
@@ -12535,7 +12751,7 @@
                         </a:spcAft>
                       </a:pPr>
                       <a:r>
-                        <a:rPr lang="en-US" sz="1400">
+                        <a:rPr lang="en-US" sz="2000">
                           <a:effectLst/>
                           <a:latin typeface="Times New Roman" panose="02020603050405020304" pitchFamily="18" charset="0"/>
                           <a:ea typeface="Calibri" panose="020F0502020204030204" pitchFamily="34" charset="0"/>
@@ -12543,7 +12759,7 @@
                         </a:rPr>
                         <a:t>1.40</a:t>
                       </a:r>
-                      <a:endParaRPr lang="en-AU" sz="1100">
+                      <a:endParaRPr lang="en-AU" sz="1600">
                         <a:effectLst/>
                         <a:latin typeface="Calibri" panose="020F0502020204030204" pitchFamily="34" charset="0"/>
                         <a:ea typeface="Calibri" panose="020F0502020204030204" pitchFamily="34" charset="0"/>
@@ -12606,7 +12822,7 @@
                         </a:spcAft>
                       </a:pPr>
                       <a:r>
-                        <a:rPr lang="en-US" sz="1400">
+                        <a:rPr lang="en-US" sz="2000">
                           <a:effectLst/>
                           <a:latin typeface="Times New Roman" panose="02020603050405020304" pitchFamily="18" charset="0"/>
                           <a:ea typeface="Calibri" panose="020F0502020204030204" pitchFamily="34" charset="0"/>
@@ -12614,7 +12830,7 @@
                         </a:rPr>
                         <a:t>2</a:t>
                       </a:r>
-                      <a:endParaRPr lang="en-AU" sz="1100">
+                      <a:endParaRPr lang="en-AU" sz="1600">
                         <a:effectLst/>
                         <a:latin typeface="Calibri" panose="020F0502020204030204" pitchFamily="34" charset="0"/>
                         <a:ea typeface="Calibri" panose="020F0502020204030204" pitchFamily="34" charset="0"/>
@@ -12675,7 +12891,7 @@
                         </a:spcAft>
                       </a:pPr>
                       <a:r>
-                        <a:rPr lang="en-US" sz="1400" dirty="0">
+                        <a:rPr lang="en-US" sz="2000" dirty="0">
                           <a:effectLst/>
                           <a:latin typeface="Times New Roman" panose="02020603050405020304" pitchFamily="18" charset="0"/>
                           <a:ea typeface="Calibri" panose="020F0502020204030204" pitchFamily="34" charset="0"/>
@@ -12683,7 +12899,7 @@
                         </a:rPr>
                         <a:t>4.20</a:t>
                       </a:r>
-                      <a:endParaRPr lang="en-AU" sz="1100" dirty="0">
+                      <a:endParaRPr lang="en-AU" sz="1600" dirty="0">
                         <a:effectLst/>
                         <a:latin typeface="Calibri" panose="020F0502020204030204" pitchFamily="34" charset="0"/>
                         <a:ea typeface="Calibri" panose="020F0502020204030204" pitchFamily="34" charset="0"/>
@@ -12744,7 +12960,7 @@
                         </a:spcAft>
                       </a:pPr>
                       <a:r>
-                        <a:rPr lang="en-US" sz="1400">
+                        <a:rPr lang="en-US" sz="2000" dirty="0">
                           <a:effectLst/>
                           <a:latin typeface="Times New Roman" panose="02020603050405020304" pitchFamily="18" charset="0"/>
                           <a:ea typeface="Calibri" panose="020F0502020204030204" pitchFamily="34" charset="0"/>
@@ -12752,7 +12968,7 @@
                         </a:rPr>
                         <a:t>0.20</a:t>
                       </a:r>
-                      <a:endParaRPr lang="en-AU" sz="1100">
+                      <a:endParaRPr lang="en-AU" sz="1600" dirty="0">
                         <a:effectLst/>
                         <a:latin typeface="Calibri" panose="020F0502020204030204" pitchFamily="34" charset="0"/>
                         <a:ea typeface="Calibri" panose="020F0502020204030204" pitchFamily="34" charset="0"/>
@@ -12815,7 +13031,7 @@
                         </a:spcAft>
                       </a:pPr>
                       <a:r>
-                        <a:rPr lang="en-US" sz="1400">
+                        <a:rPr lang="en-US" sz="2000">
                           <a:effectLst/>
                           <a:latin typeface="Times New Roman" panose="02020603050405020304" pitchFamily="18" charset="0"/>
                           <a:ea typeface="Calibri" panose="020F0502020204030204" pitchFamily="34" charset="0"/>
@@ -12823,7 +13039,7 @@
                         </a:rPr>
                         <a:t>3</a:t>
                       </a:r>
-                      <a:endParaRPr lang="en-AU" sz="1100">
+                      <a:endParaRPr lang="en-AU" sz="1600">
                         <a:effectLst/>
                         <a:latin typeface="Calibri" panose="020F0502020204030204" pitchFamily="34" charset="0"/>
                         <a:ea typeface="Calibri" panose="020F0502020204030204" pitchFamily="34" charset="0"/>
@@ -12884,7 +13100,7 @@
                         </a:spcAft>
                       </a:pPr>
                       <a:r>
-                        <a:rPr lang="en-US" sz="1400" dirty="0">
+                        <a:rPr lang="en-US" sz="2000" dirty="0">
                           <a:effectLst/>
                           <a:latin typeface="Times New Roman" panose="02020603050405020304" pitchFamily="18" charset="0"/>
                           <a:ea typeface="Calibri" panose="020F0502020204030204" pitchFamily="34" charset="0"/>
@@ -12892,7 +13108,7 @@
                         </a:rPr>
                         <a:t>14.7</a:t>
                       </a:r>
-                      <a:endParaRPr lang="en-AU" sz="1100" dirty="0">
+                      <a:endParaRPr lang="en-AU" sz="1600" dirty="0">
                         <a:effectLst/>
                         <a:latin typeface="Calibri" panose="020F0502020204030204" pitchFamily="34" charset="0"/>
                         <a:ea typeface="Calibri" panose="020F0502020204030204" pitchFamily="34" charset="0"/>
@@ -12953,7 +13169,7 @@
                         </a:spcAft>
                       </a:pPr>
                       <a:r>
-                        <a:rPr lang="en-US" sz="1400" dirty="0">
+                        <a:rPr lang="en-US" sz="2000" dirty="0">
                           <a:effectLst/>
                           <a:latin typeface="Times New Roman" panose="02020603050405020304" pitchFamily="18" charset="0"/>
                           <a:ea typeface="Calibri" panose="020F0502020204030204" pitchFamily="34" charset="0"/>
@@ -12961,7 +13177,7 @@
                         </a:rPr>
                         <a:t>0.80</a:t>
                       </a:r>
-                      <a:endParaRPr lang="en-AU" sz="1100" dirty="0">
+                      <a:endParaRPr lang="en-AU" sz="1600" dirty="0">
                         <a:effectLst/>
                         <a:latin typeface="Calibri" panose="020F0502020204030204" pitchFamily="34" charset="0"/>
                         <a:ea typeface="Calibri" panose="020F0502020204030204" pitchFamily="34" charset="0"/>
@@ -13021,8 +13237,8 @@
         </p:nvSpPr>
         <p:spPr>
           <a:xfrm>
-            <a:off x="1075764" y="2262310"/>
-            <a:ext cx="3587842" cy="369332"/>
+            <a:off x="944702" y="3033324"/>
+            <a:ext cx="4403770" cy="1631216"/>
           </a:xfrm>
           <a:prstGeom prst="rect">
             <a:avLst/>
@@ -13036,14 +13252,41 @@
           <a:lstStyle/>
           <a:p>
             <a:r>
-              <a:rPr lang="en-US" dirty="0" smtClean="0"/>
+              <a:rPr lang="en-US" sz="2000" dirty="0" smtClean="0"/>
               <a:t>Purified RNA bound to </a:t>
             </a:r>
             <a:r>
-              <a:rPr lang="en-US" dirty="0" err="1" smtClean="0"/>
+              <a:rPr lang="en-US" sz="2000" dirty="0" err="1" smtClean="0"/>
               <a:t>hnRNPK</a:t>
             </a:r>
-            <a:endParaRPr lang="en-AU" dirty="0"/>
+            <a:endParaRPr lang="en-US" sz="2000" dirty="0" smtClean="0"/>
+          </a:p>
+          <a:p>
+            <a:endParaRPr lang="en-US" sz="2000" dirty="0"/>
+          </a:p>
+          <a:p>
+            <a:endParaRPr lang="en-US" sz="2000" dirty="0" smtClean="0"/>
+          </a:p>
+          <a:p>
+            <a:r>
+              <a:rPr lang="en-US" sz="2000" dirty="0" smtClean="0"/>
+              <a:t>Confirms </a:t>
+            </a:r>
+            <a:r>
+              <a:rPr lang="en-US" sz="2000" dirty="0" err="1" smtClean="0"/>
+              <a:t>hnRNPK</a:t>
+            </a:r>
+            <a:r>
+              <a:rPr lang="en-US" sz="2000" dirty="0" smtClean="0"/>
+              <a:t>-RNA interaction,</a:t>
+            </a:r>
+          </a:p>
+          <a:p>
+            <a:r>
+              <a:rPr lang="en-US" sz="2000" dirty="0" smtClean="0"/>
+              <a:t>but not microRNA</a:t>
+            </a:r>
+            <a:endParaRPr lang="en-AU" sz="2000" dirty="0"/>
           </a:p>
         </p:txBody>
       </p:sp>
@@ -13206,7 +13449,7 @@
         </p:nvSpPr>
         <p:spPr>
           <a:xfrm>
-            <a:off x="5348472" y="1853248"/>
+            <a:off x="5170672" y="2335848"/>
             <a:ext cx="6422414" cy="4195481"/>
           </a:xfrm>
         </p:spPr>
@@ -13224,6 +13467,13 @@
             </a:r>
           </a:p>
           <a:p>
+            <a:pPr marL="3657600" lvl="8" indent="0">
+              <a:buNone/>
+            </a:pPr>
+            <a:r>
+              <a:rPr lang="en-AU" dirty="0" smtClean="0"/>
+              <a:t>(Freeman 2012)</a:t>
+            </a:r>
             <a:endParaRPr lang="en-AU" dirty="0" smtClean="0"/>
           </a:p>
           <a:p>
@@ -13234,16 +13484,27 @@
             <a:endParaRPr lang="en-AU" dirty="0" smtClean="0"/>
           </a:p>
           <a:p>
+            <a:pPr marL="3657600" lvl="8" indent="0">
+              <a:buNone/>
+            </a:pPr>
+            <a:r>
+              <a:rPr lang="en-AU" dirty="0" smtClean="0"/>
+              <a:t>(</a:t>
+            </a:r>
+            <a:r>
+              <a:rPr lang="en-AU" dirty="0" err="1" smtClean="0"/>
+              <a:t>Inder</a:t>
+            </a:r>
+            <a:r>
+              <a:rPr lang="en-AU" dirty="0" smtClean="0"/>
+              <a:t> 2012, Moon 2014)</a:t>
+            </a:r>
             <a:endParaRPr lang="en-AU" dirty="0"/>
           </a:p>
           <a:p>
             <a:r>
               <a:rPr lang="en-AU" dirty="0" smtClean="0"/>
-              <a:t>Overexpression </a:t>
-            </a:r>
-            <a:r>
-              <a:rPr lang="en-AU" dirty="0" smtClean="0"/>
-              <a:t>linked to </a:t>
+              <a:t>Overexpression linked to </a:t>
             </a:r>
             <a:r>
               <a:rPr lang="en-AU" dirty="0" err="1" smtClean="0"/>
@@ -13259,13 +13520,45 @@
             </a:r>
           </a:p>
           <a:p>
+            <a:pPr marL="3657600" lvl="8" indent="0">
+              <a:buNone/>
+            </a:pPr>
+            <a:r>
+              <a:rPr lang="en-AU" dirty="0" smtClean="0"/>
+              <a:t>(Bennett 2009)</a:t>
+            </a:r>
             <a:endParaRPr lang="en-AU" dirty="0" smtClean="0"/>
           </a:p>
           <a:p>
             <a:r>
               <a:rPr lang="en-US" dirty="0" smtClean="0"/>
-              <a:t>Knock down or addition of cavin-1 reduces metastasis.</a:t>
-            </a:r>
+              <a:t>Knock down or addition of cavin-1 reduces metastasis</a:t>
+            </a:r>
+            <a:r>
+              <a:rPr lang="en-US" dirty="0" smtClean="0"/>
+              <a:t>.						</a:t>
+            </a:r>
+            <a:r>
+              <a:rPr lang="en-US" sz="1400" dirty="0" smtClean="0"/>
+              <a:t>(</a:t>
+            </a:r>
+            <a:r>
+              <a:rPr lang="en-US" sz="1400" dirty="0" err="1" smtClean="0"/>
+              <a:t>Sugie</a:t>
+            </a:r>
+            <a:r>
+              <a:rPr lang="en-US" sz="1400" dirty="0" smtClean="0"/>
+              <a:t> 2015, </a:t>
+            </a:r>
+            <a:r>
+              <a:rPr lang="en-US" sz="1400" dirty="0" err="1" smtClean="0"/>
+              <a:t>Inder</a:t>
+            </a:r>
+            <a:r>
+              <a:rPr lang="en-US" sz="1400" dirty="0" smtClean="0"/>
+              <a:t> 2014)</a:t>
+            </a:r>
+            <a:endParaRPr lang="en-US" sz="1400" dirty="0" smtClean="0"/>
           </a:p>
           <a:p>
             <a:endParaRPr lang="en-AU" dirty="0"/>
@@ -13275,6 +13568,70 @@
           </a:p>
         </p:txBody>
       </p:sp>
+      <p:pic>
+        <p:nvPicPr>
+          <p:cNvPr id="4" name="Picture 5"/>
+          <p:cNvPicPr>
+            <a:picLocks noChangeAspect="1" noChangeArrowheads="1"/>
+          </p:cNvPicPr>
+          <p:nvPr/>
+        </p:nvPicPr>
+        <p:blipFill>
+          <a:blip r:embed="rId2" cstate="print"/>
+          <a:srcRect b="3747"/>
+          <a:stretch>
+            <a:fillRect/>
+          </a:stretch>
+        </p:blipFill>
+        <p:spPr bwMode="auto">
+          <a:xfrm>
+            <a:off x="940118" y="1289813"/>
+            <a:ext cx="3742471" cy="1937613"/>
+          </a:xfrm>
+          <a:prstGeom prst="rect">
+            <a:avLst/>
+          </a:prstGeom>
+          <a:noFill/>
+          <a:ln w="9525">
+            <a:noFill/>
+            <a:miter lim="800000"/>
+            <a:headEnd/>
+            <a:tailEnd/>
+          </a:ln>
+        </p:spPr>
+      </p:pic>
+      <p:pic>
+        <p:nvPicPr>
+          <p:cNvPr id="5" name="Picture 6"/>
+          <p:cNvPicPr>
+            <a:picLocks noChangeAspect="1" noChangeArrowheads="1"/>
+          </p:cNvPicPr>
+          <p:nvPr/>
+        </p:nvPicPr>
+        <p:blipFill>
+          <a:blip r:embed="rId3" cstate="print"/>
+          <a:srcRect t="2091"/>
+          <a:stretch>
+            <a:fillRect/>
+          </a:stretch>
+        </p:blipFill>
+        <p:spPr bwMode="auto">
+          <a:xfrm>
+            <a:off x="940119" y="3227426"/>
+            <a:ext cx="3742471" cy="3501008"/>
+          </a:xfrm>
+          <a:prstGeom prst="rect">
+            <a:avLst/>
+          </a:prstGeom>
+          <a:noFill/>
+          <a:ln w="9525">
+            <a:noFill/>
+            <a:miter lim="800000"/>
+            <a:headEnd/>
+            <a:tailEnd/>
+          </a:ln>
+        </p:spPr>
+      </p:pic>
     </p:spTree>
     <p:extLst>
       <p:ext uri="{BB962C8B-B14F-4D97-AF65-F5344CB8AC3E}">
@@ -13352,28 +13709,52 @@
               <a:rPr lang="en-AU" dirty="0" smtClean="0"/>
               <a:t>Secreted vesicles containing cytoplasmic or sorted material. </a:t>
             </a:r>
+            <a:r>
+              <a:rPr lang="en-AU" dirty="0" smtClean="0"/>
+              <a:t>					</a:t>
+            </a:r>
+            <a:r>
+              <a:rPr lang="en-AU" sz="1400" dirty="0" smtClean="0"/>
+              <a:t>(</a:t>
+            </a:r>
+            <a:r>
+              <a:rPr lang="en-AU" sz="1400" dirty="0" err="1" smtClean="0"/>
+              <a:t>Zaborowski</a:t>
+            </a:r>
+            <a:r>
+              <a:rPr lang="en-AU" sz="1400" dirty="0" smtClean="0"/>
+              <a:t> 2015)</a:t>
+            </a:r>
+            <a:endParaRPr lang="en-AU" sz="1400" dirty="0" smtClean="0"/>
+          </a:p>
+          <a:p>
             <a:endParaRPr lang="en-AU" dirty="0" smtClean="0"/>
           </a:p>
           <a:p>
+            <a:r>
+              <a:rPr lang="en-AU" dirty="0" smtClean="0"/>
+              <a:t>Transfer to other cells induces modifications</a:t>
+            </a:r>
+          </a:p>
+          <a:p>
             <a:endParaRPr lang="en-AU" dirty="0" smtClean="0"/>
           </a:p>
           <a:p>
             <a:r>
               <a:rPr lang="en-AU" dirty="0" smtClean="0"/>
-              <a:t>Transfer to other cells induces </a:t>
+              <a:t>Cancer derived EVs have roles in tumour microenvironment </a:t>
             </a:r>
             <a:r>
               <a:rPr lang="en-AU" dirty="0" smtClean="0"/>
-              <a:t>modifications</a:t>
-            </a:r>
-          </a:p>
-          <a:p>
-            <a:endParaRPr lang="en-AU" dirty="0" smtClean="0"/>
-          </a:p>
-          <a:p>
+              <a:t>modifications. 	</a:t>
+            </a:r>
+            <a:r>
+              <a:rPr lang="en-AU" sz="1400" dirty="0" smtClean="0"/>
+              <a:t>(Webber 2015)</a:t>
+            </a:r>
             <a:r>
               <a:rPr lang="en-AU" dirty="0" smtClean="0"/>
-              <a:t>Cancer derived EVs have roles in tumour microenvironment modification and metastasis.  </a:t>
+              <a:t>  </a:t>
             </a:r>
             <a:endParaRPr lang="en-AU" dirty="0" smtClean="0"/>
           </a:p>
@@ -13488,11 +13869,7 @@
           <a:p>
             <a:r>
               <a:rPr lang="en-AU" dirty="0" smtClean="0"/>
-              <a:t>EVs have been proposed as vehicles for microRNAs</a:t>
-            </a:r>
-            <a:r>
-              <a:rPr lang="en-AU" dirty="0" smtClean="0"/>
-              <a:t>.</a:t>
+              <a:t>EVs have been proposed as vehicles for microRNAs.</a:t>
             </a:r>
           </a:p>
           <a:p>
@@ -13503,7 +13880,6 @@
               <a:rPr lang="en-AU" dirty="0" smtClean="0"/>
               <a:t>MiR-148a exported from PC3 cell line. </a:t>
             </a:r>
-            <a:endParaRPr lang="en-AU" dirty="0" smtClean="0"/>
           </a:p>
           <a:p>
             <a:endParaRPr lang="en-AU" dirty="0" smtClean="0"/>
@@ -13513,19 +13889,14 @@
               <a:rPr lang="en-AU" dirty="0" smtClean="0"/>
               <a:t>No change to cellular expression </a:t>
             </a:r>
+          </a:p>
+          <a:p>
             <a:endParaRPr lang="en-AU" dirty="0" smtClean="0"/>
           </a:p>
           <a:p>
-            <a:endParaRPr lang="en-AU" dirty="0" smtClean="0"/>
-          </a:p>
-          <a:p>
             <a:r>
               <a:rPr lang="en-AU" dirty="0" smtClean="0"/>
-              <a:t>Indicates some form of export </a:t>
-            </a:r>
-            <a:r>
-              <a:rPr lang="en-AU" dirty="0" smtClean="0"/>
-              <a:t>mechanism</a:t>
+              <a:t>Indicates some form of export mechanism</a:t>
             </a:r>
           </a:p>
           <a:p>
@@ -13538,13 +13909,8 @@
             </a:r>
             <a:r>
               <a:rPr lang="en-AU" dirty="0" smtClean="0"/>
-              <a:t>	rather than sampling</a:t>
-            </a:r>
-            <a:r>
-              <a:rPr lang="en-AU" dirty="0" smtClean="0"/>
-              <a:t>. </a:t>
-            </a:r>
-            <a:endParaRPr lang="en-AU" dirty="0" smtClean="0"/>
+              <a:t>	rather than sampling. </a:t>
+            </a:r>
           </a:p>
           <a:p>
             <a:endParaRPr lang="en-AU" dirty="0"/>
@@ -13667,8 +14033,8 @@
         </p:nvSpPr>
         <p:spPr>
           <a:xfrm>
-            <a:off x="5890846" y="2117017"/>
-            <a:ext cx="5965095" cy="3046988"/>
+            <a:off x="5882185" y="2190325"/>
+            <a:ext cx="5390866" cy="2862322"/>
           </a:xfrm>
           <a:prstGeom prst="rect">
             <a:avLst/>
@@ -13676,69 +14042,116 @@
           <a:noFill/>
         </p:spPr>
         <p:txBody>
+          <a:bodyPr wrap="square" rtlCol="0">
+            <a:spAutoFit/>
+          </a:bodyPr>
+          <a:lstStyle/>
+          <a:p>
+            <a:r>
+              <a:rPr lang="en-US" sz="2000" dirty="0" smtClean="0"/>
+              <a:t>Aims: </a:t>
+            </a:r>
+          </a:p>
+          <a:p>
+            <a:endParaRPr lang="en-US" sz="2000" dirty="0" smtClean="0"/>
+          </a:p>
+          <a:p>
+            <a:pPr marL="342900" indent="-342900">
+              <a:buAutoNum type="arabicPeriod"/>
+            </a:pPr>
+            <a:r>
+              <a:rPr lang="en-US" sz="2000" dirty="0" smtClean="0"/>
+              <a:t>Identify </a:t>
+            </a:r>
+            <a:r>
+              <a:rPr lang="en-US" sz="2000" dirty="0" err="1" smtClean="0"/>
+              <a:t>miRs</a:t>
+            </a:r>
+            <a:r>
+              <a:rPr lang="en-US" sz="2000" dirty="0" smtClean="0"/>
+              <a:t> manipulated by this system</a:t>
+            </a:r>
+            <a:endParaRPr lang="en-US" sz="2000" dirty="0" smtClean="0"/>
+          </a:p>
+          <a:p>
+            <a:pPr marL="342900" indent="-342900">
+              <a:buAutoNum type="arabicPeriod"/>
+            </a:pPr>
+            <a:endParaRPr lang="en-US" sz="2000" dirty="0" smtClean="0"/>
+          </a:p>
+          <a:p>
+            <a:pPr marL="342900" indent="-342900">
+              <a:buAutoNum type="arabicPeriod"/>
+            </a:pPr>
+            <a:r>
+              <a:rPr lang="en-US" sz="2000" dirty="0" smtClean="0"/>
+              <a:t>Identify candidate export protein</a:t>
+            </a:r>
+          </a:p>
+          <a:p>
+            <a:pPr marL="342900" indent="-342900">
+              <a:buAutoNum type="arabicPeriod"/>
+            </a:pPr>
+            <a:endParaRPr lang="en-US" sz="2000" dirty="0" smtClean="0"/>
+          </a:p>
+          <a:p>
+            <a:pPr marL="342900" indent="-342900">
+              <a:buAutoNum type="arabicPeriod"/>
+            </a:pPr>
+            <a:r>
+              <a:rPr lang="en-US" sz="2000" dirty="0" smtClean="0"/>
+              <a:t>Investigate the interaction </a:t>
+            </a:r>
+            <a:r>
+              <a:rPr lang="en-US" sz="2000" dirty="0" smtClean="0"/>
+              <a:t>between candidate </a:t>
+            </a:r>
+            <a:r>
+              <a:rPr lang="en-US" sz="2000" dirty="0" smtClean="0"/>
+              <a:t>and microRNAs</a:t>
+            </a:r>
+            <a:endParaRPr lang="en-AU" sz="2000" dirty="0"/>
+          </a:p>
+        </p:txBody>
+      </p:sp>
+      <p:sp>
+        <p:nvSpPr>
+          <p:cNvPr id="3" name="TextBox 2"/>
+          <p:cNvSpPr txBox="1"/>
+          <p:nvPr/>
+        </p:nvSpPr>
+        <p:spPr>
+          <a:xfrm>
+            <a:off x="3807725" y="5268036"/>
+            <a:ext cx="1075936" cy="307777"/>
+          </a:xfrm>
+          <a:prstGeom prst="rect">
+            <a:avLst/>
+          </a:prstGeom>
+          <a:noFill/>
+        </p:spPr>
+        <p:txBody>
           <a:bodyPr wrap="none" rtlCol="0">
             <a:spAutoFit/>
           </a:bodyPr>
           <a:lstStyle/>
           <a:p>
             <a:r>
-              <a:rPr lang="en-US" sz="2400" dirty="0" smtClean="0"/>
-              <a:t>Aims: </a:t>
-            </a:r>
-          </a:p>
-          <a:p>
-            <a:endParaRPr lang="en-US" sz="2400" dirty="0" smtClean="0"/>
-          </a:p>
-          <a:p>
-            <a:pPr marL="342900" indent="-342900">
-              <a:buAutoNum type="arabicPeriod"/>
-            </a:pPr>
-            <a:r>
-              <a:rPr lang="en-US" sz="2400" dirty="0" smtClean="0"/>
-              <a:t>Identify all exported </a:t>
-            </a:r>
-            <a:r>
-              <a:rPr lang="en-US" sz="2400" dirty="0" err="1" smtClean="0"/>
-              <a:t>miRs</a:t>
-            </a:r>
-            <a:endParaRPr lang="en-US" sz="2400" dirty="0" smtClean="0"/>
-          </a:p>
-          <a:p>
-            <a:pPr marL="342900" indent="-342900">
-              <a:buAutoNum type="arabicPeriod"/>
-            </a:pPr>
-            <a:endParaRPr lang="en-US" sz="2400" dirty="0" smtClean="0"/>
-          </a:p>
-          <a:p>
-            <a:pPr marL="342900" indent="-342900">
-              <a:buAutoNum type="arabicPeriod"/>
-            </a:pPr>
-            <a:r>
-              <a:rPr lang="en-US" sz="2400" dirty="0" smtClean="0"/>
-              <a:t>Identify candidate export protein</a:t>
-            </a:r>
-          </a:p>
-          <a:p>
-            <a:pPr marL="342900" indent="-342900">
-              <a:buAutoNum type="arabicPeriod"/>
-            </a:pPr>
-            <a:endParaRPr lang="en-US" sz="2400" dirty="0" smtClean="0"/>
-          </a:p>
-          <a:p>
-            <a:pPr marL="342900" indent="-342900">
-              <a:buAutoNum type="arabicPeriod"/>
-            </a:pPr>
-            <a:r>
-              <a:rPr lang="en-US" sz="2400" dirty="0" smtClean="0"/>
-              <a:t>Investigate the interaction between </a:t>
-            </a:r>
-          </a:p>
-          <a:p>
-            <a:r>
-              <a:rPr lang="en-US" sz="2400" dirty="0" smtClean="0"/>
-              <a:t>	candidate and microRNAs</a:t>
-            </a:r>
-            <a:endParaRPr lang="en-AU" sz="2400" dirty="0"/>
+              <a:rPr lang="en-AU" sz="1400" dirty="0" err="1" smtClean="0">
+                <a:solidFill>
+                  <a:schemeClr val="bg1"/>
+                </a:solidFill>
+              </a:rPr>
+              <a:t>Caveolin</a:t>
+            </a:r>
+            <a:r>
+              <a:rPr lang="en-AU" sz="1400" dirty="0">
+                <a:solidFill>
+                  <a:schemeClr val="bg1"/>
+                </a:solidFill>
+              </a:rPr>
+              <a:t>+</a:t>
+            </a:r>
           </a:p>
         </p:txBody>
       </p:sp>
@@ -13879,15 +14292,7 @@
           <a:p>
             <a:r>
               <a:rPr lang="en-AU" dirty="0" smtClean="0"/>
-              <a:t>MicroRNAs </a:t>
-            </a:r>
-            <a:r>
-              <a:rPr lang="en-AU" dirty="0" smtClean="0"/>
-              <a:t>are selectively </a:t>
-            </a:r>
-            <a:r>
-              <a:rPr lang="en-AU" dirty="0" smtClean="0"/>
-              <a:t>exported</a:t>
+              <a:t>MicroRNAs are selectively exported</a:t>
             </a:r>
             <a:endParaRPr lang="en-AU" dirty="0"/>
           </a:p>
@@ -13916,7 +14321,7 @@
         </p:blipFill>
         <p:spPr>
           <a:xfrm>
-            <a:off x="805159" y="1765324"/>
+            <a:off x="1255535" y="1765324"/>
             <a:ext cx="4542332" cy="4106743"/>
           </a:xfrm>
           <a:prstGeom prst="rect">
@@ -13924,6 +14329,129 @@
           </a:prstGeom>
         </p:spPr>
       </p:pic>
+      <p:sp>
+        <p:nvSpPr>
+          <p:cNvPr id="5" name="TextBox 4"/>
+          <p:cNvSpPr txBox="1"/>
+          <p:nvPr/>
+        </p:nvSpPr>
+        <p:spPr>
+          <a:xfrm>
+            <a:off x="6127845" y="2582984"/>
+            <a:ext cx="4817659" cy="1887696"/>
+          </a:xfrm>
+          <a:prstGeom prst="rect">
+            <a:avLst/>
+          </a:prstGeom>
+          <a:noFill/>
+        </p:spPr>
+        <p:txBody>
+          <a:bodyPr wrap="square" rtlCol="0">
+            <a:spAutoFit/>
+          </a:bodyPr>
+          <a:lstStyle/>
+          <a:p>
+            <a:pPr marL="342900" lvl="0" indent="-342900" defTabSz="457200">
+              <a:spcBef>
+                <a:spcPts val="1000"/>
+              </a:spcBef>
+              <a:buClr>
+                <a:srgbClr val="DDDDDD"/>
+              </a:buClr>
+              <a:buSzPct val="80000"/>
+              <a:buFont typeface="Wingdings 3" charset="2"/>
+              <a:buChar char=""/>
+            </a:pPr>
+            <a:r>
+              <a:rPr lang="en-AU" sz="2000" dirty="0">
+                <a:solidFill>
+                  <a:prstClr val="white"/>
+                </a:solidFill>
+                <a:ea typeface="+mj-ea"/>
+                <a:cs typeface="+mj-cs"/>
+              </a:rPr>
+              <a:t>12 </a:t>
+            </a:r>
+            <a:r>
+              <a:rPr lang="en-AU" sz="2000" dirty="0" err="1">
+                <a:solidFill>
+                  <a:prstClr val="white"/>
+                </a:solidFill>
+                <a:ea typeface="+mj-ea"/>
+                <a:cs typeface="+mj-cs"/>
+              </a:rPr>
+              <a:t>miRs</a:t>
+            </a:r>
+            <a:r>
+              <a:rPr lang="en-AU" sz="2000" dirty="0">
+                <a:solidFill>
+                  <a:prstClr val="white"/>
+                </a:solidFill>
+                <a:ea typeface="+mj-ea"/>
+                <a:cs typeface="+mj-cs"/>
+              </a:rPr>
+              <a:t> significantly modified by cavin-1 in EVs. </a:t>
+            </a:r>
+            <a:endParaRPr lang="en-AU" sz="2000" dirty="0" smtClean="0">
+              <a:solidFill>
+                <a:prstClr val="white"/>
+              </a:solidFill>
+              <a:ea typeface="+mj-ea"/>
+              <a:cs typeface="+mj-cs"/>
+            </a:endParaRPr>
+          </a:p>
+          <a:p>
+            <a:pPr marL="342900" lvl="0" indent="-342900" defTabSz="457200">
+              <a:spcBef>
+                <a:spcPts val="1000"/>
+              </a:spcBef>
+              <a:buClr>
+                <a:srgbClr val="DDDDDD"/>
+              </a:buClr>
+              <a:buSzPct val="80000"/>
+              <a:buFont typeface="Wingdings 3" charset="2"/>
+              <a:buChar char=""/>
+            </a:pPr>
+            <a:endParaRPr lang="en-AU" sz="2000" dirty="0">
+              <a:solidFill>
+                <a:prstClr val="white"/>
+              </a:solidFill>
+              <a:ea typeface="+mj-ea"/>
+              <a:cs typeface="+mj-cs"/>
+            </a:endParaRPr>
+          </a:p>
+          <a:p>
+            <a:pPr marL="342900" lvl="0" indent="-342900" defTabSz="457200">
+              <a:spcBef>
+                <a:spcPts val="1000"/>
+              </a:spcBef>
+              <a:buClr>
+                <a:srgbClr val="DDDDDD"/>
+              </a:buClr>
+              <a:buSzPct val="80000"/>
+              <a:buFont typeface="Wingdings 3" charset="2"/>
+              <a:buChar char=""/>
+            </a:pPr>
+            <a:r>
+              <a:rPr lang="en-AU" sz="2000" dirty="0">
+                <a:solidFill>
+                  <a:prstClr val="white"/>
+                </a:solidFill>
+                <a:ea typeface="+mj-ea"/>
+                <a:cs typeface="+mj-cs"/>
+              </a:rPr>
+              <a:t>Presence in EVs due to sampling or selective export</a:t>
+            </a:r>
+            <a:endParaRPr lang="en-AU" sz="2000" dirty="0">
+              <a:solidFill>
+                <a:prstClr val="white"/>
+              </a:solidFill>
+              <a:ea typeface="+mj-ea"/>
+              <a:cs typeface="+mj-cs"/>
+            </a:endParaRPr>
+          </a:p>
+        </p:txBody>
+      </p:sp>
     </p:spTree>
     <p:extLst>
       <p:ext uri="{BB962C8B-B14F-4D97-AF65-F5344CB8AC3E}">
@@ -14030,6 +14558,44 @@
           </a:graphicData>
         </a:graphic>
       </p:graphicFrame>
+      <p:cxnSp>
+        <p:nvCxnSpPr>
+          <p:cNvPr id="8" name="Elbow Connector 7"/>
+          <p:cNvCxnSpPr/>
+          <p:nvPr/>
+        </p:nvCxnSpPr>
+        <p:spPr>
+          <a:xfrm flipV="1">
+            <a:off x="5540993" y="3848667"/>
+            <a:ext cx="1405770" cy="1323834"/>
+          </a:xfrm>
+          <a:prstGeom prst="bentConnector3">
+            <a:avLst>
+              <a:gd name="adj1" fmla="val 50000"/>
+            </a:avLst>
+          </a:prstGeom>
+          <a:ln w="57150">
+            <a:solidFill>
+              <a:srgbClr val="FF0000"/>
+            </a:solidFill>
+            <a:tailEnd type="triangle"/>
+          </a:ln>
+        </p:spPr>
+        <p:style>
+          <a:lnRef idx="1">
+            <a:schemeClr val="accent1"/>
+          </a:lnRef>
+          <a:fillRef idx="0">
+            <a:schemeClr val="accent1"/>
+          </a:fillRef>
+          <a:effectRef idx="0">
+            <a:schemeClr val="accent1"/>
+          </a:effectRef>
+          <a:fontRef idx="minor">
+            <a:schemeClr val="tx1"/>
+          </a:fontRef>
+        </p:style>
+      </p:cxnSp>
     </p:spTree>
     <p:extLst>
       <p:ext uri="{BB962C8B-B14F-4D97-AF65-F5344CB8AC3E}">
